--- a/gitについて_cdコマンド.pptx
+++ b/gitについて_cdコマンド.pptx
@@ -5,7 +5,7 @@
     <p:sldMasterId id="2147483660" r:id="rId1"/>
   </p:sldMasterIdLst>
   <p:notesMasterIdLst>
-    <p:notesMasterId r:id="rId20"/>
+    <p:notesMasterId r:id="rId21"/>
   </p:notesMasterIdLst>
   <p:sldIdLst>
     <p:sldId id="256" r:id="rId2"/>
@@ -23,9 +23,10 @@
     <p:sldId id="272" r:id="rId14"/>
     <p:sldId id="274" r:id="rId15"/>
     <p:sldId id="273" r:id="rId16"/>
-    <p:sldId id="275" r:id="rId17"/>
-    <p:sldId id="277" r:id="rId18"/>
-    <p:sldId id="276" r:id="rId19"/>
+    <p:sldId id="278" r:id="rId17"/>
+    <p:sldId id="275" r:id="rId18"/>
+    <p:sldId id="277" r:id="rId19"/>
+    <p:sldId id="276" r:id="rId20"/>
   </p:sldIdLst>
   <p:sldSz cx="12192000" cy="6858000"/>
   <p:notesSz cx="6858000" cy="9144000"/>
@@ -588,6 +589,227 @@
     <p:extLst>
       <p:ext uri="{BB962C8B-B14F-4D97-AF65-F5344CB8AC3E}">
         <p14:creationId xmlns:p14="http://schemas.microsoft.com/office/powerpoint/2010/main" val="1534072440"/>
+      </p:ext>
+    </p:extLst>
+  </p:cSld>
+  <p:clrMapOvr>
+    <a:masterClrMapping/>
+  </p:clrMapOvr>
+</p:notes>
+</file>
+
+<file path=ppt/notesSlides/notesSlide2.xml><?xml version="1.0" encoding="utf-8"?>
+<p:notes xmlns:a="http://schemas.openxmlformats.org/drawingml/2006/main" xmlns:r="http://schemas.openxmlformats.org/officeDocument/2006/relationships" xmlns:p="http://schemas.openxmlformats.org/presentationml/2006/main">
+  <p:cSld>
+    <p:spTree>
+      <p:nvGrpSpPr>
+        <p:cNvPr id="1" name=""/>
+        <p:cNvGrpSpPr/>
+        <p:nvPr/>
+      </p:nvGrpSpPr>
+      <p:grpSpPr>
+        <a:xfrm>
+          <a:off x="0" y="0"/>
+          <a:ext cx="0" cy="0"/>
+          <a:chOff x="0" y="0"/>
+          <a:chExt cx="0" cy="0"/>
+        </a:xfrm>
+      </p:grpSpPr>
+      <p:sp>
+        <p:nvSpPr>
+          <p:cNvPr id="2" name="スライド イメージ プレースホルダー 1"/>
+          <p:cNvSpPr>
+            <a:spLocks noGrp="1" noRot="1" noChangeAspect="1"/>
+          </p:cNvSpPr>
+          <p:nvPr>
+            <p:ph type="sldImg"/>
+          </p:nvPr>
+        </p:nvSpPr>
+        <p:spPr/>
+      </p:sp>
+      <p:sp>
+        <p:nvSpPr>
+          <p:cNvPr id="3" name="ノート プレースホルダー 2"/>
+          <p:cNvSpPr>
+            <a:spLocks noGrp="1"/>
+          </p:cNvSpPr>
+          <p:nvPr>
+            <p:ph type="body" idx="1"/>
+          </p:nvPr>
+        </p:nvSpPr>
+        <p:spPr/>
+        <p:txBody>
+          <a:bodyPr/>
+          <a:lstStyle/>
+          <a:p>
+            <a:pPr marL="0" indent="0">
+              <a:buFont typeface="Arial" panose="020B0604020202020204" pitchFamily="34" charset="0"/>
+              <a:buNone/>
+            </a:pPr>
+            <a:r>
+              <a:rPr lang="ja-JP" altLang="en-US" sz="1200" dirty="0"/>
+              <a:t>・例えば、あなたがファイル１を開いて作業したいのにファイル２を開いてい</a:t>
+            </a:r>
+            <a:endParaRPr lang="en-US" altLang="ja-JP" sz="1200" dirty="0"/>
+          </a:p>
+          <a:p>
+            <a:pPr marL="0" indent="0">
+              <a:buFont typeface="Arial" panose="020B0604020202020204" pitchFamily="34" charset="0"/>
+              <a:buNone/>
+            </a:pPr>
+            <a:r>
+              <a:rPr lang="ja-JP" altLang="en-US" sz="1200" dirty="0"/>
+              <a:t>　ては作業できませんよね？これは</a:t>
+            </a:r>
+            <a:r>
+              <a:rPr lang="en-US" altLang="ja-JP" sz="1200" dirty="0"/>
+              <a:t>Git Bash</a:t>
+            </a:r>
+            <a:r>
+              <a:rPr lang="ja-JP" altLang="en-US" sz="1200" dirty="0"/>
+              <a:t>も同じでどのファイルを見て作業してほしいのかを指定するこれがフォーカスの指定です</a:t>
+            </a:r>
+            <a:endParaRPr lang="en-US" altLang="ja-JP" sz="1200" dirty="0"/>
+          </a:p>
+          <a:p>
+            <a:pPr marL="0" indent="0">
+              <a:buFont typeface="Arial" panose="020B0604020202020204" pitchFamily="34" charset="0"/>
+              <a:buNone/>
+            </a:pPr>
+            <a:endParaRPr lang="en-US" altLang="ja-JP" sz="1200" dirty="0"/>
+          </a:p>
+          <a:p>
+            <a:pPr marL="0" indent="0">
+              <a:buFont typeface="Arial" panose="020B0604020202020204" pitchFamily="34" charset="0"/>
+              <a:buNone/>
+            </a:pPr>
+            <a:r>
+              <a:rPr lang="ja-JP" altLang="en-US" sz="1200" dirty="0"/>
+              <a:t>●もし、デスクトップにフォーカスをしたいときは</a:t>
+            </a:r>
+            <a:r>
+              <a:rPr lang="en-US" altLang="ja-JP" sz="1200" dirty="0"/>
+              <a:t>cd </a:t>
+            </a:r>
+            <a:r>
+              <a:rPr lang="en-US" altLang="ja-JP" sz="1200" dirty="0" err="1"/>
+              <a:t>Desctop</a:t>
+            </a:r>
+            <a:r>
+              <a:rPr lang="ja-JP" altLang="en-US" sz="1200" dirty="0"/>
+              <a:t>と入力し、</a:t>
+            </a:r>
+            <a:endParaRPr lang="en-US" altLang="ja-JP" sz="1200" dirty="0"/>
+          </a:p>
+          <a:p>
+            <a:pPr marL="0" indent="0">
+              <a:buFont typeface="Arial" panose="020B0604020202020204" pitchFamily="34" charset="0"/>
+              <a:buNone/>
+            </a:pPr>
+            <a:r>
+              <a:rPr lang="ja-JP" altLang="en-US" sz="1200" dirty="0"/>
+              <a:t>●デスクトップの中の</a:t>
+            </a:r>
+            <a:r>
+              <a:rPr lang="en-US" altLang="ja-JP" sz="1200" dirty="0"/>
+              <a:t>Folder1</a:t>
+            </a:r>
+            <a:r>
+              <a:rPr lang="ja-JP" altLang="en-US" sz="1200" dirty="0"/>
+              <a:t>にフォーカスしたいときは</a:t>
+            </a:r>
+            <a:r>
+              <a:rPr lang="en-US" altLang="ja-JP" sz="1200" dirty="0"/>
+              <a:t>cd </a:t>
+            </a:r>
+            <a:r>
+              <a:rPr lang="en-US" altLang="ja-JP" sz="1200" dirty="0" err="1"/>
+              <a:t>Desctop</a:t>
+            </a:r>
+            <a:r>
+              <a:rPr lang="en-US" altLang="ja-JP" sz="1200" dirty="0"/>
+              <a:t>/file1</a:t>
+            </a:r>
+          </a:p>
+          <a:p>
+            <a:pPr marL="0" indent="0">
+              <a:buFont typeface="Arial" panose="020B0604020202020204" pitchFamily="34" charset="0"/>
+              <a:buNone/>
+            </a:pPr>
+            <a:r>
+              <a:rPr lang="ja-JP" altLang="en-US" sz="1200" dirty="0"/>
+              <a:t>●そしてファイルの中にフィルがあるようなときにフォーカスを当てたいときは</a:t>
+            </a:r>
+            <a:endParaRPr lang="en-US" altLang="ja-JP" sz="1200" dirty="0"/>
+          </a:p>
+          <a:p>
+            <a:pPr marL="0" marR="0" lvl="0" indent="0" algn="l" defTabSz="914400" rtl="0" eaLnBrk="1" fontAlgn="auto" latinLnBrk="0" hangingPunct="1">
+              <a:lnSpc>
+                <a:spcPct val="100000"/>
+              </a:lnSpc>
+              <a:spcBef>
+                <a:spcPts val="0"/>
+              </a:spcBef>
+              <a:spcAft>
+                <a:spcPts val="0"/>
+              </a:spcAft>
+              <a:buClrTx/>
+              <a:buSzTx/>
+              <a:buFont typeface="Arial" panose="020B0604020202020204" pitchFamily="34" charset="0"/>
+              <a:buNone/>
+              <a:tabLst/>
+              <a:defRPr/>
+            </a:pPr>
+            <a:r>
+              <a:rPr lang="en-US" altLang="ja-JP" sz="1200" dirty="0"/>
+              <a:t>cd </a:t>
+            </a:r>
+            <a:r>
+              <a:rPr lang="en-US" altLang="ja-JP" sz="1200" dirty="0" err="1"/>
+              <a:t>Desctop</a:t>
+            </a:r>
+            <a:r>
+              <a:rPr lang="en-US" altLang="ja-JP" sz="1200" dirty="0"/>
+              <a:t>/Folder2/Folder3</a:t>
+            </a:r>
+            <a:r>
+              <a:rPr lang="ja-JP" altLang="en-US" sz="1200" dirty="0"/>
+              <a:t>のように指定します</a:t>
+            </a:r>
+            <a:endParaRPr lang="en-US" altLang="ja-JP" sz="1200" dirty="0"/>
+          </a:p>
+          <a:p>
+            <a:endParaRPr kumimoji="1" lang="ja-JP" altLang="en-US" dirty="0"/>
+          </a:p>
+        </p:txBody>
+      </p:sp>
+      <p:sp>
+        <p:nvSpPr>
+          <p:cNvPr id="4" name="スライド番号プレースホルダー 3"/>
+          <p:cNvSpPr>
+            <a:spLocks noGrp="1"/>
+          </p:cNvSpPr>
+          <p:nvPr>
+            <p:ph type="sldNum" sz="quarter" idx="5"/>
+          </p:nvPr>
+        </p:nvSpPr>
+        <p:spPr/>
+        <p:txBody>
+          <a:bodyPr/>
+          <a:lstStyle/>
+          <a:p>
+            <a:fld id="{41436B96-20CB-4457-A9A8-4BAF8B6D0582}" type="slidenum">
+              <a:rPr kumimoji="1" lang="ja-JP" altLang="en-US" smtClean="0"/>
+              <a:t>18</a:t>
+            </a:fld>
+            <a:endParaRPr kumimoji="1" lang="ja-JP" altLang="en-US"/>
+          </a:p>
+        </p:txBody>
+      </p:sp>
+    </p:spTree>
+    <p:extLst>
+      <p:ext uri="{BB962C8B-B14F-4D97-AF65-F5344CB8AC3E}">
+        <p14:creationId xmlns:p14="http://schemas.microsoft.com/office/powerpoint/2010/main" val="1702682198"/>
       </p:ext>
     </p:extLst>
   </p:cSld>
@@ -14182,6 +14404,133 @@
           </a:p>
         </p:txBody>
       </p:sp>
+      <p:pic>
+        <p:nvPicPr>
+          <p:cNvPr id="2" name="図 1" descr="テキスト が含まれている画像&#10;&#10;自動的に生成された説明">
+            <a:extLst>
+              <a:ext uri="{FF2B5EF4-FFF2-40B4-BE49-F238E27FC236}">
+                <a16:creationId xmlns:a16="http://schemas.microsoft.com/office/drawing/2014/main" id="{DA86EDC7-AF49-939C-C6E2-D2AEF3E2D070}"/>
+              </a:ext>
+            </a:extLst>
+          </p:cNvPr>
+          <p:cNvPicPr>
+            <a:picLocks noChangeAspect="1"/>
+          </p:cNvPicPr>
+          <p:nvPr/>
+        </p:nvPicPr>
+        <p:blipFill>
+          <a:blip r:embed="rId4">
+            <a:extLst>
+              <a:ext uri="{28A0092B-C50C-407E-A947-70E740481C1C}">
+                <a14:useLocalDpi xmlns:a14="http://schemas.microsoft.com/office/drawing/2010/main" val="0"/>
+              </a:ext>
+            </a:extLst>
+          </a:blip>
+          <a:stretch>
+            <a:fillRect/>
+          </a:stretch>
+        </p:blipFill>
+        <p:spPr>
+          <a:xfrm>
+            <a:off x="1225306" y="4463492"/>
+            <a:ext cx="4450608" cy="1714739"/>
+          </a:xfrm>
+          <a:prstGeom prst="rect">
+            <a:avLst/>
+          </a:prstGeom>
+        </p:spPr>
+      </p:pic>
+      <p:sp>
+        <p:nvSpPr>
+          <p:cNvPr id="3" name="正方形/長方形 2">
+            <a:extLst>
+              <a:ext uri="{FF2B5EF4-FFF2-40B4-BE49-F238E27FC236}">
+                <a16:creationId xmlns:a16="http://schemas.microsoft.com/office/drawing/2014/main" id="{1C923EF0-4A93-A7F2-B819-828188770F8B}"/>
+              </a:ext>
+            </a:extLst>
+          </p:cNvPr>
+          <p:cNvSpPr/>
+          <p:nvPr/>
+        </p:nvSpPr>
+        <p:spPr>
+          <a:xfrm>
+            <a:off x="1064300" y="4322318"/>
+            <a:ext cx="4831529" cy="2033512"/>
+          </a:xfrm>
+          <a:prstGeom prst="rect">
+            <a:avLst/>
+          </a:prstGeom>
+          <a:noFill/>
+          <a:ln w="76200">
+            <a:solidFill>
+              <a:srgbClr val="FF0000"/>
+            </a:solidFill>
+          </a:ln>
+        </p:spPr>
+        <p:style>
+          <a:lnRef idx="2">
+            <a:schemeClr val="accent1">
+              <a:shade val="50000"/>
+            </a:schemeClr>
+          </a:lnRef>
+          <a:fillRef idx="1">
+            <a:schemeClr val="accent1"/>
+          </a:fillRef>
+          <a:effectRef idx="0">
+            <a:schemeClr val="accent1"/>
+          </a:effectRef>
+          <a:fontRef idx="minor">
+            <a:schemeClr val="lt1"/>
+          </a:fontRef>
+        </p:style>
+        <p:txBody>
+          <a:bodyPr rtlCol="0" anchor="ctr"/>
+          <a:lstStyle/>
+          <a:p>
+            <a:pPr algn="ctr"/>
+            <a:endParaRPr kumimoji="1" lang="ja-JP" altLang="en-US"/>
+          </a:p>
+        </p:txBody>
+      </p:sp>
+      <p:sp>
+        <p:nvSpPr>
+          <p:cNvPr id="7" name="テキスト ボックス 6">
+            <a:extLst>
+              <a:ext uri="{FF2B5EF4-FFF2-40B4-BE49-F238E27FC236}">
+                <a16:creationId xmlns:a16="http://schemas.microsoft.com/office/drawing/2014/main" id="{9393AE26-CF12-DECE-6007-DA1974AAA955}"/>
+              </a:ext>
+            </a:extLst>
+          </p:cNvPr>
+          <p:cNvSpPr txBox="1"/>
+          <p:nvPr/>
+        </p:nvSpPr>
+        <p:spPr>
+          <a:xfrm>
+            <a:off x="1838642" y="6396335"/>
+            <a:ext cx="5311666" cy="461665"/>
+          </a:xfrm>
+          <a:prstGeom prst="rect">
+            <a:avLst/>
+          </a:prstGeom>
+          <a:noFill/>
+        </p:spPr>
+        <p:txBody>
+          <a:bodyPr wrap="square" rtlCol="0">
+            <a:spAutoFit/>
+          </a:bodyPr>
+          <a:lstStyle/>
+          <a:p>
+            <a:r>
+              <a:rPr kumimoji="1" lang="ja-JP" altLang="en-US" sz="2400" dirty="0">
+                <a:solidFill>
+                  <a:srgbClr val="FF0000"/>
+                </a:solidFill>
+              </a:rPr>
+              <a:t>③上のような画面が出てくる</a:t>
+            </a:r>
+          </a:p>
+        </p:txBody>
+      </p:sp>
     </p:spTree>
     <p:extLst>
       <p:ext uri="{BB962C8B-B14F-4D97-AF65-F5344CB8AC3E}">
@@ -14214,10 +14563,10 @@
       </p:grpSpPr>
       <p:grpSp>
         <p:nvGrpSpPr>
-          <p:cNvPr id="2" name="グループ化 1">
+          <p:cNvPr id="4" name="グループ化 3">
             <a:extLst>
               <a:ext uri="{FF2B5EF4-FFF2-40B4-BE49-F238E27FC236}">
-                <a16:creationId xmlns:a16="http://schemas.microsoft.com/office/drawing/2014/main" id="{F4F5466F-7EAC-2F69-49BC-3355F3BC6CB5}"/>
+                <a16:creationId xmlns:a16="http://schemas.microsoft.com/office/drawing/2014/main" id="{2B5414F4-961E-F8D4-FA42-34D613034548}"/>
               </a:ext>
             </a:extLst>
           </p:cNvPr>
@@ -14234,10 +14583,10 @@
         </p:grpSpPr>
         <p:sp>
           <p:nvSpPr>
-            <p:cNvPr id="3" name="正方形/長方形 2">
+            <p:cNvPr id="5" name="正方形/長方形 4">
               <a:extLst>
                 <a:ext uri="{FF2B5EF4-FFF2-40B4-BE49-F238E27FC236}">
-                  <a16:creationId xmlns:a16="http://schemas.microsoft.com/office/drawing/2014/main" id="{1EBFB064-5E5A-1305-2BEA-ABEA77BB03A0}"/>
+                  <a16:creationId xmlns:a16="http://schemas.microsoft.com/office/drawing/2014/main" id="{7E8B3632-54A3-E7DF-0CEB-F0F51E36AD0C}"/>
                 </a:ext>
               </a:extLst>
             </p:cNvPr>
@@ -14288,10 +14637,10 @@
         </p:sp>
         <p:sp>
           <p:nvSpPr>
-            <p:cNvPr id="4" name="タイトル 1">
+            <p:cNvPr id="6" name="タイトル 1">
               <a:extLst>
                 <a:ext uri="{FF2B5EF4-FFF2-40B4-BE49-F238E27FC236}">
-                  <a16:creationId xmlns:a16="http://schemas.microsoft.com/office/drawing/2014/main" id="{212577DE-B806-097E-C227-B2DD56DE5531}"/>
+                  <a16:creationId xmlns:a16="http://schemas.microsoft.com/office/drawing/2014/main" id="{0FCCE766-13B2-7876-143D-B7197ADF21F7}"/>
                 </a:ext>
               </a:extLst>
             </p:cNvPr>
@@ -14339,7 +14688,23 @@
                     <a:schemeClr val="bg1"/>
                   </a:solidFill>
                 </a:rPr>
-                <a:t>・ローカルリポジトリを作成する</a:t>
+                <a:t>・</a:t>
+              </a:r>
+              <a:r>
+                <a:rPr lang="en-US" altLang="ja-JP" sz="2800" cap="none" dirty="0">
+                  <a:solidFill>
+                    <a:schemeClr val="bg1"/>
+                  </a:solidFill>
+                </a:rPr>
+                <a:t>Git Bash</a:t>
+              </a:r>
+              <a:r>
+                <a:rPr lang="ja-JP" altLang="en-US" sz="2800" cap="none" dirty="0">
+                  <a:solidFill>
+                    <a:schemeClr val="bg1"/>
+                  </a:solidFill>
+                </a:rPr>
+                <a:t>を起動する</a:t>
               </a:r>
               <a:endParaRPr lang="ja-JP" altLang="en-US" sz="2800" dirty="0">
                 <a:solidFill>
@@ -14352,10 +14717,10 @@
       </p:grpSp>
       <p:sp>
         <p:nvSpPr>
-          <p:cNvPr id="6" name="コンテンツ プレースホルダー 5">
+          <p:cNvPr id="28" name="コンテンツ プレースホルダー 5">
             <a:extLst>
               <a:ext uri="{FF2B5EF4-FFF2-40B4-BE49-F238E27FC236}">
-                <a16:creationId xmlns:a16="http://schemas.microsoft.com/office/drawing/2014/main" id="{06768868-510E-70E1-C729-C10F6C19B245}"/>
+                <a16:creationId xmlns:a16="http://schemas.microsoft.com/office/drawing/2014/main" id="{AF7EE2C0-C046-C53B-9806-8D4C5E8CD62E}"/>
               </a:ext>
             </a:extLst>
           </p:cNvPr>
@@ -14368,8 +14733,8 @@
         </p:nvSpPr>
         <p:spPr>
           <a:xfrm>
-            <a:off x="1251678" y="762001"/>
-            <a:ext cx="10178322" cy="5117592"/>
+            <a:off x="891914" y="616030"/>
+            <a:ext cx="10830394" cy="1293015"/>
           </a:xfrm>
         </p:spPr>
         <p:txBody>
@@ -14379,283 +14744,134 @@
           <a:lstStyle/>
           <a:p>
             <a:r>
-              <a:rPr lang="en-US" altLang="ja-JP" sz="2400" dirty="0"/>
-              <a:t>cd Desktop/ </a:t>
+              <a:rPr lang="en-US" altLang="ja-JP" sz="2400" dirty="0" err="1"/>
+              <a:t>pwd</a:t>
             </a:r>
             <a:r>
               <a:rPr lang="ja-JP" altLang="en-US" sz="2400" dirty="0"/>
-              <a:t>と入力し、</a:t>
-            </a:r>
-            <a:r>
-              <a:rPr lang="en-US" altLang="ja-JP" sz="2400" dirty="0"/>
-              <a:t>Enter</a:t>
-            </a:r>
-            <a:r>
-              <a:rPr lang="ja-JP" altLang="en-US" sz="2400" dirty="0"/>
-              <a:t>を押す</a:t>
-            </a:r>
-            <a:br>
-              <a:rPr lang="sv-SE" altLang="ja-JP" sz="2400" dirty="0"/>
-            </a:br>
+              <a:t>コマンドを使ってみましょう！</a:t>
+            </a:r>
+            <a:endParaRPr lang="en-US" altLang="ja-JP" sz="2200" dirty="0"/>
+          </a:p>
+          <a:p>
+            <a:r>
+              <a:rPr lang="en-US" altLang="ja-JP" sz="2200" dirty="0" err="1"/>
+              <a:t>pwd</a:t>
+            </a:r>
+            <a:r>
+              <a:rPr lang="ja-JP" altLang="en-US" sz="2200" dirty="0"/>
+              <a:t>とは</a:t>
+            </a:r>
             <a:r>
               <a:rPr lang="en-US" altLang="ja-JP" sz="2200" dirty="0"/>
-              <a:t>※</a:t>
+              <a:t>Git Bash</a:t>
             </a:r>
             <a:r>
               <a:rPr lang="ja-JP" altLang="en-US" sz="2200" dirty="0"/>
-              <a:t>エラーの場合は </a:t>
-            </a:r>
-            <a:r>
-              <a:rPr lang="en-US" altLang="ja-JP" sz="2200" dirty="0"/>
-              <a:t>cd /c/Users/</a:t>
-            </a:r>
-            <a:r>
-              <a:rPr lang="ja-JP" altLang="en-US" sz="2200" dirty="0"/>
-              <a:t>ユーザ名</a:t>
-            </a:r>
-            <a:r>
-              <a:rPr lang="en-US" altLang="ja-JP" sz="2200" dirty="0"/>
-              <a:t>/Desktop/</a:t>
-            </a:r>
+              <a:t>が今どの階層にフォーカスしているかを表示することができます</a:t>
+            </a:r>
+            <a:endParaRPr lang="en-US" altLang="ja-JP" sz="2400" dirty="0"/>
           </a:p>
         </p:txBody>
       </p:sp>
-      <p:grpSp>
-        <p:nvGrpSpPr>
-          <p:cNvPr id="53" name="グループ化 52">
+      <p:pic>
+        <p:nvPicPr>
+          <p:cNvPr id="30" name="図 29" descr="テキスト&#10;&#10;自動的に生成された説明">
             <a:extLst>
               <a:ext uri="{FF2B5EF4-FFF2-40B4-BE49-F238E27FC236}">
-                <a16:creationId xmlns:a16="http://schemas.microsoft.com/office/drawing/2014/main" id="{F8E212C7-9F3C-7FD9-1282-36CE824518B8}"/>
+                <a16:creationId xmlns:a16="http://schemas.microsoft.com/office/drawing/2014/main" id="{0AA55EC3-278E-DB31-0A72-53695D66D944}"/>
               </a:ext>
             </a:extLst>
           </p:cNvPr>
-          <p:cNvGrpSpPr/>
+          <p:cNvPicPr>
+            <a:picLocks noChangeAspect="1"/>
+          </p:cNvPicPr>
           <p:nvPr/>
-        </p:nvGrpSpPr>
-        <p:grpSpPr>
+        </p:nvPicPr>
+        <p:blipFill>
+          <a:blip r:embed="rId2">
+            <a:extLst>
+              <a:ext uri="{28A0092B-C50C-407E-A947-70E740481C1C}">
+                <a14:useLocalDpi xmlns:a14="http://schemas.microsoft.com/office/drawing/2010/main" val="0"/>
+              </a:ext>
+            </a:extLst>
+          </a:blip>
+          <a:stretch>
+            <a:fillRect/>
+          </a:stretch>
+        </p:blipFill>
+        <p:spPr>
           <a:xfrm>
-            <a:off x="6380813" y="2386561"/>
-            <a:ext cx="1329557" cy="1617786"/>
-            <a:chOff x="3994134" y="2898289"/>
-            <a:chExt cx="1329557" cy="1617786"/>
+            <a:off x="891914" y="1561157"/>
+            <a:ext cx="4647546" cy="1867843"/>
           </a:xfrm>
-        </p:grpSpPr>
-        <p:sp>
-          <p:nvSpPr>
-            <p:cNvPr id="54" name="四角形: メモ 53">
-              <a:extLst>
-                <a:ext uri="{FF2B5EF4-FFF2-40B4-BE49-F238E27FC236}">
-                  <a16:creationId xmlns:a16="http://schemas.microsoft.com/office/drawing/2014/main" id="{44CF78D4-D396-FC78-5E5C-A7425C345182}"/>
-                </a:ext>
-              </a:extLst>
-            </p:cNvPr>
-            <p:cNvSpPr/>
-            <p:nvPr/>
-          </p:nvSpPr>
-          <p:spPr>
-            <a:xfrm rot="10800000" flipH="1">
-              <a:off x="4149297" y="2912831"/>
-              <a:ext cx="1174394" cy="1547446"/>
-            </a:xfrm>
-            <a:prstGeom prst="foldedCorner">
-              <a:avLst/>
-            </a:prstGeom>
-          </p:spPr>
-          <p:style>
-            <a:lnRef idx="2">
-              <a:schemeClr val="accent6"/>
-            </a:lnRef>
-            <a:fillRef idx="1">
-              <a:schemeClr val="lt1"/>
-            </a:fillRef>
-            <a:effectRef idx="0">
-              <a:schemeClr val="accent6"/>
-            </a:effectRef>
-            <a:fontRef idx="minor">
-              <a:schemeClr val="dk1"/>
-            </a:fontRef>
-          </p:style>
-          <p:txBody>
-            <a:bodyPr rtlCol="0" anchor="ctr"/>
-            <a:lstStyle/>
-            <a:p>
-              <a:pPr algn="ctr"/>
-              <a:endParaRPr kumimoji="1" lang="ja-JP" altLang="en-US"/>
-            </a:p>
-          </p:txBody>
-        </p:sp>
-        <p:sp>
-          <p:nvSpPr>
-            <p:cNvPr id="55" name="フローチャート: カード 54">
-              <a:extLst>
-                <a:ext uri="{FF2B5EF4-FFF2-40B4-BE49-F238E27FC236}">
-                  <a16:creationId xmlns:a16="http://schemas.microsoft.com/office/drawing/2014/main" id="{4D6AB48E-AC23-63D2-ADAA-0965C22BBBF5}"/>
-                </a:ext>
-              </a:extLst>
-            </p:cNvPr>
-            <p:cNvSpPr/>
-            <p:nvPr/>
-          </p:nvSpPr>
-          <p:spPr>
-            <a:xfrm flipH="1">
-              <a:off x="3994134" y="2898289"/>
-              <a:ext cx="1280160" cy="1617786"/>
-            </a:xfrm>
-            <a:prstGeom prst="flowChartPunchedCard">
-              <a:avLst/>
-            </a:prstGeom>
-          </p:spPr>
-          <p:style>
-            <a:lnRef idx="2">
-              <a:schemeClr val="accent1">
-                <a:shade val="50000"/>
-              </a:schemeClr>
-            </a:lnRef>
-            <a:fillRef idx="1">
-              <a:schemeClr val="accent1"/>
-            </a:fillRef>
-            <a:effectRef idx="0">
-              <a:schemeClr val="accent1"/>
-            </a:effectRef>
-            <a:fontRef idx="minor">
-              <a:schemeClr val="lt1"/>
-            </a:fontRef>
-          </p:style>
-          <p:txBody>
-            <a:bodyPr rtlCol="0" anchor="ctr"/>
-            <a:lstStyle/>
-            <a:p>
-              <a:pPr algn="ctr"/>
-              <a:r>
-                <a:rPr kumimoji="1" lang="en-US" altLang="ja-JP" dirty="0"/>
-                <a:t>file1</a:t>
-              </a:r>
-              <a:endParaRPr kumimoji="1" lang="ja-JP" altLang="en-US" dirty="0"/>
-            </a:p>
-          </p:txBody>
-        </p:sp>
-      </p:grpSp>
-      <p:grpSp>
-        <p:nvGrpSpPr>
-          <p:cNvPr id="56" name="グループ化 55">
+          <a:prstGeom prst="rect">
+            <a:avLst/>
+          </a:prstGeom>
+          <a:ln>
+            <a:noFill/>
+          </a:ln>
+          <a:effectLst>
+            <a:outerShdw blurRad="292100" dist="139700" dir="2700000" algn="tl" rotWithShape="0">
+              <a:srgbClr val="333333">
+                <a:alpha val="65000"/>
+              </a:srgbClr>
+            </a:outerShdw>
+          </a:effectLst>
+        </p:spPr>
+      </p:pic>
+      <p:pic>
+        <p:nvPicPr>
+          <p:cNvPr id="32" name="図 31" descr="テキスト&#10;&#10;自動的に生成された説明">
             <a:extLst>
               <a:ext uri="{FF2B5EF4-FFF2-40B4-BE49-F238E27FC236}">
-                <a16:creationId xmlns:a16="http://schemas.microsoft.com/office/drawing/2014/main" id="{1665D61A-01AB-3A4C-12B6-9DBA8DE4012B}"/>
+                <a16:creationId xmlns:a16="http://schemas.microsoft.com/office/drawing/2014/main" id="{372CB2EB-0F8B-FCFD-16C2-25E9AA3EF745}"/>
               </a:ext>
             </a:extLst>
           </p:cNvPr>
-          <p:cNvGrpSpPr/>
+          <p:cNvPicPr>
+            <a:picLocks noChangeAspect="1"/>
+          </p:cNvPicPr>
           <p:nvPr/>
-        </p:nvGrpSpPr>
-        <p:grpSpPr>
+        </p:nvPicPr>
+        <p:blipFill>
+          <a:blip r:embed="rId3">
+            <a:extLst>
+              <a:ext uri="{28A0092B-C50C-407E-A947-70E740481C1C}">
+                <a14:useLocalDpi xmlns:a14="http://schemas.microsoft.com/office/drawing/2010/main" val="0"/>
+              </a:ext>
+            </a:extLst>
+          </a:blip>
+          <a:stretch>
+            <a:fillRect/>
+          </a:stretch>
+        </p:blipFill>
+        <p:spPr>
           <a:xfrm>
-            <a:off x="6458394" y="5059682"/>
-            <a:ext cx="1329557" cy="1617786"/>
-            <a:chOff x="3994134" y="2898289"/>
-            <a:chExt cx="1329557" cy="1617786"/>
+            <a:off x="910802" y="4579624"/>
+            <a:ext cx="4647546" cy="1693292"/>
           </a:xfrm>
-        </p:grpSpPr>
-        <p:sp>
-          <p:nvSpPr>
-            <p:cNvPr id="57" name="四角形: メモ 56">
-              <a:extLst>
-                <a:ext uri="{FF2B5EF4-FFF2-40B4-BE49-F238E27FC236}">
-                  <a16:creationId xmlns:a16="http://schemas.microsoft.com/office/drawing/2014/main" id="{FEC9DCF5-3439-A5B1-DBF4-CB14D833A0E8}"/>
-                </a:ext>
-              </a:extLst>
-            </p:cNvPr>
-            <p:cNvSpPr/>
-            <p:nvPr/>
-          </p:nvSpPr>
-          <p:spPr>
-            <a:xfrm rot="10800000" flipH="1">
-              <a:off x="4149297" y="2912831"/>
-              <a:ext cx="1174394" cy="1547446"/>
-            </a:xfrm>
-            <a:prstGeom prst="foldedCorner">
-              <a:avLst/>
-            </a:prstGeom>
-          </p:spPr>
-          <p:style>
-            <a:lnRef idx="2">
-              <a:schemeClr val="accent6"/>
-            </a:lnRef>
-            <a:fillRef idx="1">
-              <a:schemeClr val="lt1"/>
-            </a:fillRef>
-            <a:effectRef idx="0">
-              <a:schemeClr val="accent6"/>
-            </a:effectRef>
-            <a:fontRef idx="minor">
-              <a:schemeClr val="dk1"/>
-            </a:fontRef>
-          </p:style>
-          <p:txBody>
-            <a:bodyPr rtlCol="0" anchor="ctr"/>
-            <a:lstStyle/>
-            <a:p>
-              <a:pPr algn="ctr"/>
-              <a:endParaRPr kumimoji="1" lang="ja-JP" altLang="en-US"/>
-            </a:p>
-          </p:txBody>
-        </p:sp>
-        <p:sp>
-          <p:nvSpPr>
-            <p:cNvPr id="58" name="フローチャート: カード 57">
-              <a:extLst>
-                <a:ext uri="{FF2B5EF4-FFF2-40B4-BE49-F238E27FC236}">
-                  <a16:creationId xmlns:a16="http://schemas.microsoft.com/office/drawing/2014/main" id="{1BC70937-E42B-8192-155B-3ED2107A47AC}"/>
-                </a:ext>
-              </a:extLst>
-            </p:cNvPr>
-            <p:cNvSpPr/>
-            <p:nvPr/>
-          </p:nvSpPr>
-          <p:spPr>
-            <a:xfrm flipH="1">
-              <a:off x="3994134" y="2898289"/>
-              <a:ext cx="1280160" cy="1617786"/>
-            </a:xfrm>
-            <a:prstGeom prst="flowChartPunchedCard">
-              <a:avLst/>
-            </a:prstGeom>
-          </p:spPr>
-          <p:style>
-            <a:lnRef idx="2">
-              <a:schemeClr val="accent1">
-                <a:shade val="50000"/>
-              </a:schemeClr>
-            </a:lnRef>
-            <a:fillRef idx="1">
-              <a:schemeClr val="accent1"/>
-            </a:fillRef>
-            <a:effectRef idx="0">
-              <a:schemeClr val="accent1"/>
-            </a:effectRef>
-            <a:fontRef idx="minor">
-              <a:schemeClr val="lt1"/>
-            </a:fontRef>
-          </p:style>
-          <p:txBody>
-            <a:bodyPr rtlCol="0" anchor="ctr"/>
-            <a:lstStyle/>
-            <a:p>
-              <a:pPr algn="ctr"/>
-              <a:r>
-                <a:rPr kumimoji="1" lang="en-US" altLang="ja-JP" dirty="0"/>
-                <a:t>file2</a:t>
-              </a:r>
-              <a:endParaRPr kumimoji="1" lang="ja-JP" altLang="en-US" dirty="0"/>
-            </a:p>
-          </p:txBody>
-        </p:sp>
-      </p:grpSp>
+          <a:prstGeom prst="rect">
+            <a:avLst/>
+          </a:prstGeom>
+          <a:ln>
+            <a:noFill/>
+          </a:ln>
+          <a:effectLst>
+            <a:outerShdw blurRad="292100" dist="139700" dir="2700000" algn="tl" rotWithShape="0">
+              <a:srgbClr val="333333">
+                <a:alpha val="65000"/>
+              </a:srgbClr>
+            </a:outerShdw>
+          </a:effectLst>
+        </p:spPr>
+      </p:pic>
       <p:sp>
         <p:nvSpPr>
-          <p:cNvPr id="59" name="矢印: 右 58">
+          <p:cNvPr id="33" name="矢印: 下 32">
             <a:extLst>
               <a:ext uri="{FF2B5EF4-FFF2-40B4-BE49-F238E27FC236}">
-                <a16:creationId xmlns:a16="http://schemas.microsoft.com/office/drawing/2014/main" id="{72FACB80-171A-51F5-14A6-8D4470DA1718}"/>
+                <a16:creationId xmlns:a16="http://schemas.microsoft.com/office/drawing/2014/main" id="{4E83C4F1-D263-7516-39DA-C989EB24FD75}"/>
               </a:ext>
             </a:extLst>
           </p:cNvPr>
@@ -14663,13 +14879,14 @@
           <p:nvPr/>
         </p:nvSpPr>
         <p:spPr>
-          <a:xfrm rot="19386440">
-            <a:off x="4724040" y="3237933"/>
-            <a:ext cx="1335670" cy="1020253"/>
+          <a:xfrm>
+            <a:off x="2338466" y="3746913"/>
+            <a:ext cx="1319135" cy="653330"/>
           </a:xfrm>
-          <a:prstGeom prst="rightArrow">
+          <a:prstGeom prst="downArrow">
             <a:avLst/>
           </a:prstGeom>
+          <a:ln/>
         </p:spPr>
         <p:style>
           <a:lnRef idx="2">
@@ -14692,16 +14909,138 @@
           <a:lstStyle/>
           <a:p>
             <a:pPr algn="ctr"/>
-            <a:endParaRPr kumimoji="1" lang="ja-JP" altLang="en-US"/>
+            <a:endParaRPr kumimoji="1" lang="ja-JP" altLang="en-US">
+              <a:ln w="0"/>
+              <a:solidFill>
+                <a:schemeClr val="tx1"/>
+              </a:solidFill>
+              <a:effectLst>
+                <a:outerShdw blurRad="38100" dist="19050" dir="2700000" algn="tl" rotWithShape="0">
+                  <a:schemeClr val="dk1">
+                    <a:alpha val="40000"/>
+                  </a:schemeClr>
+                </a:outerShdw>
+              </a:effectLst>
+            </a:endParaRPr>
           </a:p>
         </p:txBody>
       </p:sp>
       <p:sp>
         <p:nvSpPr>
-          <p:cNvPr id="60" name="矢印: 右 59">
+          <p:cNvPr id="34" name="テキスト ボックス 33">
             <a:extLst>
               <a:ext uri="{FF2B5EF4-FFF2-40B4-BE49-F238E27FC236}">
-                <a16:creationId xmlns:a16="http://schemas.microsoft.com/office/drawing/2014/main" id="{F45A5E82-D77B-BADA-67D9-BDAA86ECA43E}"/>
+                <a16:creationId xmlns:a16="http://schemas.microsoft.com/office/drawing/2014/main" id="{D03F0605-CC64-23B5-B522-833711356211}"/>
+              </a:ext>
+            </a:extLst>
+          </p:cNvPr>
+          <p:cNvSpPr txBox="1"/>
+          <p:nvPr/>
+        </p:nvSpPr>
+        <p:spPr>
+          <a:xfrm>
+            <a:off x="5558348" y="1909045"/>
+            <a:ext cx="1497526" cy="369332"/>
+          </a:xfrm>
+          <a:prstGeom prst="rect">
+            <a:avLst/>
+          </a:prstGeom>
+          <a:noFill/>
+        </p:spPr>
+        <p:txBody>
+          <a:bodyPr wrap="none" rtlCol="0">
+            <a:spAutoFit/>
+          </a:bodyPr>
+          <a:lstStyle/>
+          <a:p>
+            <a:r>
+              <a:rPr kumimoji="1" lang="ja-JP" altLang="en-US" dirty="0">
+                <a:solidFill>
+                  <a:srgbClr val="FF0000"/>
+                </a:solidFill>
+              </a:rPr>
+              <a:t>←</a:t>
+            </a:r>
+            <a:r>
+              <a:rPr kumimoji="1" lang="en-US" altLang="ja-JP" dirty="0" err="1">
+                <a:solidFill>
+                  <a:srgbClr val="FF0000"/>
+                </a:solidFill>
+              </a:rPr>
+              <a:t>pwd</a:t>
+            </a:r>
+            <a:r>
+              <a:rPr kumimoji="1" lang="ja-JP" altLang="en-US" dirty="0">
+                <a:solidFill>
+                  <a:srgbClr val="FF0000"/>
+                </a:solidFill>
+              </a:rPr>
+              <a:t>を入力</a:t>
+            </a:r>
+          </a:p>
+        </p:txBody>
+      </p:sp>
+      <p:sp>
+        <p:nvSpPr>
+          <p:cNvPr id="35" name="テキスト ボックス 34">
+            <a:extLst>
+              <a:ext uri="{FF2B5EF4-FFF2-40B4-BE49-F238E27FC236}">
+                <a16:creationId xmlns:a16="http://schemas.microsoft.com/office/drawing/2014/main" id="{DB587224-23E7-99F0-7F63-4CC65C42650F}"/>
+              </a:ext>
+            </a:extLst>
+          </p:cNvPr>
+          <p:cNvSpPr txBox="1"/>
+          <p:nvPr/>
+        </p:nvSpPr>
+        <p:spPr>
+          <a:xfrm>
+            <a:off x="5593946" y="4948956"/>
+            <a:ext cx="2079415" cy="369332"/>
+          </a:xfrm>
+          <a:prstGeom prst="rect">
+            <a:avLst/>
+          </a:prstGeom>
+          <a:noFill/>
+        </p:spPr>
+        <p:txBody>
+          <a:bodyPr wrap="none" rtlCol="0">
+            <a:spAutoFit/>
+          </a:bodyPr>
+          <a:lstStyle/>
+          <a:p>
+            <a:r>
+              <a:rPr kumimoji="1" lang="ja-JP" altLang="en-US" dirty="0">
+                <a:solidFill>
+                  <a:srgbClr val="FF0000"/>
+                </a:solidFill>
+              </a:rPr>
+              <a:t>←</a:t>
+            </a:r>
+            <a:r>
+              <a:rPr kumimoji="1" lang="en-US" altLang="ja-JP" dirty="0">
+                <a:solidFill>
+                  <a:srgbClr val="FF0000"/>
+                </a:solidFill>
+              </a:rPr>
+              <a:t>Enter</a:t>
+            </a:r>
+            <a:r>
+              <a:rPr kumimoji="1" lang="ja-JP" altLang="en-US" dirty="0">
+                <a:solidFill>
+                  <a:srgbClr val="FF0000"/>
+                </a:solidFill>
+              </a:rPr>
+              <a:t>クリック後</a:t>
+            </a:r>
+          </a:p>
+        </p:txBody>
+      </p:sp>
+      <p:sp>
+        <p:nvSpPr>
+          <p:cNvPr id="36" name="正方形/長方形 35">
+            <a:extLst>
+              <a:ext uri="{FF2B5EF4-FFF2-40B4-BE49-F238E27FC236}">
+                <a16:creationId xmlns:a16="http://schemas.microsoft.com/office/drawing/2014/main" id="{D5A4733F-44F6-4503-8C62-3738AB5B4296}"/>
               </a:ext>
             </a:extLst>
           </p:cNvPr>
@@ -14709,25 +15048,31 @@
           <p:nvPr/>
         </p:nvSpPr>
         <p:spPr>
-          <a:xfrm rot="2082278">
-            <a:off x="4861582" y="4861100"/>
-            <a:ext cx="1335670" cy="1020253"/>
+          <a:xfrm>
+            <a:off x="891914" y="5723211"/>
+            <a:ext cx="2136099" cy="376368"/>
           </a:xfrm>
-          <a:prstGeom prst="rightArrow">
+          <a:prstGeom prst="rect">
             <a:avLst/>
           </a:prstGeom>
+          <a:noFill/>
+          <a:ln w="76200">
+            <a:solidFill>
+              <a:srgbClr val="FF0000"/>
+            </a:solidFill>
+          </a:ln>
         </p:spPr>
         <p:style>
           <a:lnRef idx="2">
-            <a:schemeClr val="accent5">
+            <a:schemeClr val="accent1">
               <a:shade val="50000"/>
             </a:schemeClr>
           </a:lnRef>
           <a:fillRef idx="1">
-            <a:schemeClr val="accent5"/>
+            <a:schemeClr val="accent1"/>
           </a:fillRef>
           <a:effectRef idx="0">
-            <a:schemeClr val="accent5"/>
+            <a:schemeClr val="accent1"/>
           </a:effectRef>
           <a:fontRef idx="minor">
             <a:schemeClr val="lt1"/>
@@ -14742,491 +15087,49 @@
           </a:p>
         </p:txBody>
       </p:sp>
-      <p:grpSp>
-        <p:nvGrpSpPr>
-          <p:cNvPr id="61" name="グループ化 60">
+      <p:sp>
+        <p:nvSpPr>
+          <p:cNvPr id="37" name="テキスト ボックス 36">
             <a:extLst>
               <a:ext uri="{FF2B5EF4-FFF2-40B4-BE49-F238E27FC236}">
-                <a16:creationId xmlns:a16="http://schemas.microsoft.com/office/drawing/2014/main" id="{9ED00F30-F961-F613-1A2B-C6A73895BFFC}"/>
+                <a16:creationId xmlns:a16="http://schemas.microsoft.com/office/drawing/2014/main" id="{68D7A906-0988-F405-D194-25D13578C57F}"/>
               </a:ext>
             </a:extLst>
           </p:cNvPr>
-          <p:cNvGrpSpPr/>
-          <p:nvPr/>
-        </p:nvGrpSpPr>
-        <p:grpSpPr>
-          <a:xfrm>
-            <a:off x="1940376" y="3810955"/>
-            <a:ext cx="2319443" cy="1856449"/>
-            <a:chOff x="845788" y="3112387"/>
-            <a:chExt cx="2319443" cy="1856449"/>
-          </a:xfrm>
-        </p:grpSpPr>
-        <p:sp>
-          <p:nvSpPr>
-            <p:cNvPr id="62" name="フリーフォーム: 図形 61">
-              <a:extLst>
-                <a:ext uri="{FF2B5EF4-FFF2-40B4-BE49-F238E27FC236}">
-                  <a16:creationId xmlns:a16="http://schemas.microsoft.com/office/drawing/2014/main" id="{BD72E0BE-F59B-A24D-4F75-62E2DAB34FC0}"/>
-                </a:ext>
-              </a:extLst>
-            </p:cNvPr>
-            <p:cNvSpPr/>
-            <p:nvPr/>
-          </p:nvSpPr>
-          <p:spPr>
-            <a:xfrm>
-              <a:off x="1137908" y="4740196"/>
-              <a:ext cx="1678930" cy="228640"/>
-            </a:xfrm>
-            <a:custGeom>
-              <a:avLst/>
-              <a:gdLst>
-                <a:gd name="connsiteX0" fmla="*/ 839465 w 1678930"/>
-                <a:gd name="connsiteY0" fmla="*/ 0 h 233902"/>
-                <a:gd name="connsiteX1" fmla="*/ 1678930 w 1678930"/>
-                <a:gd name="connsiteY1" fmla="*/ 221480 h 233902"/>
-                <a:gd name="connsiteX2" fmla="*/ 1674184 w 1678930"/>
-                <a:gd name="connsiteY2" fmla="*/ 233902 h 233902"/>
-                <a:gd name="connsiteX3" fmla="*/ 4746 w 1678930"/>
-                <a:gd name="connsiteY3" fmla="*/ 233902 h 233902"/>
-                <a:gd name="connsiteX4" fmla="*/ 0 w 1678930"/>
-                <a:gd name="connsiteY4" fmla="*/ 221480 h 233902"/>
-                <a:gd name="connsiteX5" fmla="*/ 839465 w 1678930"/>
-                <a:gd name="connsiteY5" fmla="*/ 0 h 233902"/>
-              </a:gdLst>
-              <a:ahLst/>
-              <a:cxnLst>
-                <a:cxn ang="0">
-                  <a:pos x="connsiteX0" y="connsiteY0"/>
-                </a:cxn>
-                <a:cxn ang="0">
-                  <a:pos x="connsiteX1" y="connsiteY1"/>
-                </a:cxn>
-                <a:cxn ang="0">
-                  <a:pos x="connsiteX2" y="connsiteY2"/>
-                </a:cxn>
-                <a:cxn ang="0">
-                  <a:pos x="connsiteX3" y="connsiteY3"/>
-                </a:cxn>
-                <a:cxn ang="0">
-                  <a:pos x="connsiteX4" y="connsiteY4"/>
-                </a:cxn>
-                <a:cxn ang="0">
-                  <a:pos x="connsiteX5" y="connsiteY5"/>
-                </a:cxn>
-              </a:cxnLst>
-              <a:rect l="l" t="t" r="r" b="b"/>
-              <a:pathLst>
-                <a:path w="1678930" h="233902">
-                  <a:moveTo>
-                    <a:pt x="839465" y="0"/>
-                  </a:moveTo>
-                  <a:cubicBezTo>
-                    <a:pt x="1303089" y="0"/>
-                    <a:pt x="1678930" y="99160"/>
-                    <a:pt x="1678930" y="221480"/>
-                  </a:cubicBezTo>
-                  <a:lnTo>
-                    <a:pt x="1674184" y="233902"/>
-                  </a:lnTo>
-                  <a:lnTo>
-                    <a:pt x="4746" y="233902"/>
-                  </a:lnTo>
-                  <a:lnTo>
-                    <a:pt x="0" y="221480"/>
-                  </a:lnTo>
-                  <a:cubicBezTo>
-                    <a:pt x="0" y="99160"/>
-                    <a:pt x="375841" y="0"/>
-                    <a:pt x="839465" y="0"/>
-                  </a:cubicBezTo>
-                  <a:close/>
-                </a:path>
-              </a:pathLst>
-            </a:custGeom>
-            <a:solidFill>
-              <a:schemeClr val="bg2">
-                <a:lumMod val="75000"/>
-              </a:schemeClr>
-            </a:solidFill>
-            <a:ln>
-              <a:solidFill>
-                <a:schemeClr val="tx1">
-                  <a:lumMod val="50000"/>
-                  <a:lumOff val="50000"/>
-                </a:schemeClr>
-              </a:solidFill>
-            </a:ln>
-          </p:spPr>
-          <p:style>
-            <a:lnRef idx="2">
-              <a:schemeClr val="accent1">
-                <a:shade val="50000"/>
-              </a:schemeClr>
-            </a:lnRef>
-            <a:fillRef idx="1">
-              <a:schemeClr val="accent1"/>
-            </a:fillRef>
-            <a:effectRef idx="0">
-              <a:schemeClr val="accent1"/>
-            </a:effectRef>
-            <a:fontRef idx="minor">
-              <a:schemeClr val="lt1"/>
-            </a:fontRef>
-          </p:style>
-          <p:txBody>
-            <a:bodyPr wrap="square" rtlCol="0" anchor="ctr">
-              <a:noAutofit/>
-            </a:bodyPr>
-            <a:lstStyle/>
-            <a:p>
-              <a:pPr algn="ctr"/>
-              <a:endParaRPr kumimoji="1" lang="ja-JP" altLang="en-US"/>
-            </a:p>
-          </p:txBody>
-        </p:sp>
-        <p:sp>
-          <p:nvSpPr>
-            <p:cNvPr id="63" name="楕円 62">
-              <a:extLst>
-                <a:ext uri="{FF2B5EF4-FFF2-40B4-BE49-F238E27FC236}">
-                  <a16:creationId xmlns:a16="http://schemas.microsoft.com/office/drawing/2014/main" id="{E522535D-D27D-2F36-208B-AFB9149BDE10}"/>
-                </a:ext>
-              </a:extLst>
-            </p:cNvPr>
-            <p:cNvSpPr/>
-            <p:nvPr/>
-          </p:nvSpPr>
-          <p:spPr>
-            <a:xfrm>
-              <a:off x="1533144" y="4249736"/>
-              <a:ext cx="901983" cy="646984"/>
-            </a:xfrm>
-            <a:prstGeom prst="ellipse">
-              <a:avLst/>
-            </a:prstGeom>
-            <a:solidFill>
-              <a:schemeClr val="bg2">
-                <a:lumMod val="75000"/>
-              </a:schemeClr>
-            </a:solidFill>
-            <a:ln>
-              <a:solidFill>
-                <a:schemeClr val="tx1">
-                  <a:lumMod val="50000"/>
-                  <a:lumOff val="50000"/>
-                </a:schemeClr>
-              </a:solidFill>
-            </a:ln>
-          </p:spPr>
-          <p:style>
-            <a:lnRef idx="2">
-              <a:schemeClr val="accent1">
-                <a:shade val="50000"/>
-              </a:schemeClr>
-            </a:lnRef>
-            <a:fillRef idx="1">
-              <a:schemeClr val="accent1"/>
-            </a:fillRef>
-            <a:effectRef idx="0">
-              <a:schemeClr val="accent1"/>
-            </a:effectRef>
-            <a:fontRef idx="minor">
-              <a:schemeClr val="lt1"/>
-            </a:fontRef>
-          </p:style>
-          <p:txBody>
-            <a:bodyPr rtlCol="0" anchor="ctr"/>
-            <a:lstStyle/>
-            <a:p>
-              <a:pPr algn="ctr"/>
-              <a:endParaRPr kumimoji="1" lang="ja-JP" altLang="en-US"/>
-            </a:p>
-          </p:txBody>
-        </p:sp>
-        <p:sp>
-          <p:nvSpPr>
-            <p:cNvPr id="64" name="正方形/長方形 63">
-              <a:extLst>
-                <a:ext uri="{FF2B5EF4-FFF2-40B4-BE49-F238E27FC236}">
-                  <a16:creationId xmlns:a16="http://schemas.microsoft.com/office/drawing/2014/main" id="{EA6CA52C-2F25-22D7-73A2-0E94E6B20C14}"/>
-                </a:ext>
-              </a:extLst>
-            </p:cNvPr>
-            <p:cNvSpPr/>
-            <p:nvPr/>
-          </p:nvSpPr>
-          <p:spPr>
-            <a:xfrm>
-              <a:off x="845788" y="3112387"/>
-              <a:ext cx="2319443" cy="1491995"/>
-            </a:xfrm>
-            <a:prstGeom prst="rect">
-              <a:avLst/>
-            </a:prstGeom>
-            <a:solidFill>
-              <a:schemeClr val="accent3"/>
-            </a:solidFill>
-            <a:ln w="76200">
-              <a:solidFill>
-                <a:schemeClr val="tx1"/>
-              </a:solidFill>
-            </a:ln>
-          </p:spPr>
-          <p:style>
-            <a:lnRef idx="2">
-              <a:schemeClr val="accent1">
-                <a:shade val="50000"/>
-              </a:schemeClr>
-            </a:lnRef>
-            <a:fillRef idx="1">
-              <a:schemeClr val="accent1"/>
-            </a:fillRef>
-            <a:effectRef idx="0">
-              <a:schemeClr val="accent1"/>
-            </a:effectRef>
-            <a:fontRef idx="minor">
-              <a:schemeClr val="lt1"/>
-            </a:fontRef>
-          </p:style>
-          <p:txBody>
-            <a:bodyPr rtlCol="0" anchor="ctr"/>
-            <a:lstStyle/>
-            <a:p>
-              <a:pPr algn="ctr"/>
-              <a:endParaRPr kumimoji="1" lang="ja-JP" altLang="en-US" dirty="0"/>
-            </a:p>
-          </p:txBody>
-        </p:sp>
-        <p:sp>
-          <p:nvSpPr>
-            <p:cNvPr id="65" name="直角三角形 64">
-              <a:extLst>
-                <a:ext uri="{FF2B5EF4-FFF2-40B4-BE49-F238E27FC236}">
-                  <a16:creationId xmlns:a16="http://schemas.microsoft.com/office/drawing/2014/main" id="{F1F6151C-9E14-10C8-CA19-7ECE82C3570F}"/>
-                </a:ext>
-              </a:extLst>
-            </p:cNvPr>
-            <p:cNvSpPr/>
-            <p:nvPr/>
-          </p:nvSpPr>
-          <p:spPr>
-            <a:xfrm rot="5400000">
-              <a:off x="944700" y="3268130"/>
-              <a:ext cx="966417" cy="901983"/>
-            </a:xfrm>
-            <a:prstGeom prst="rtTriangle">
-              <a:avLst/>
-            </a:prstGeom>
-            <a:solidFill>
-              <a:srgbClr val="99D6D7"/>
-            </a:solidFill>
-            <a:ln>
-              <a:noFill/>
-            </a:ln>
-          </p:spPr>
-          <p:style>
-            <a:lnRef idx="2">
-              <a:schemeClr val="accent6"/>
-            </a:lnRef>
-            <a:fillRef idx="1">
-              <a:schemeClr val="lt1"/>
-            </a:fillRef>
-            <a:effectRef idx="0">
-              <a:schemeClr val="accent6"/>
-            </a:effectRef>
-            <a:fontRef idx="minor">
-              <a:schemeClr val="dk1"/>
-            </a:fontRef>
-          </p:style>
-          <p:txBody>
-            <a:bodyPr rtlCol="0" anchor="ctr"/>
-            <a:lstStyle/>
-            <a:p>
-              <a:pPr algn="ctr"/>
-              <a:endParaRPr kumimoji="1" lang="ja-JP" altLang="en-US"/>
-            </a:p>
-          </p:txBody>
-        </p:sp>
-      </p:grpSp>
-      <p:sp>
-        <p:nvSpPr>
-          <p:cNvPr id="66" name="思考の吹き出し: 雲形 65">
-            <a:extLst>
-              <a:ext uri="{FF2B5EF4-FFF2-40B4-BE49-F238E27FC236}">
-                <a16:creationId xmlns:a16="http://schemas.microsoft.com/office/drawing/2014/main" id="{50274914-F9ED-368C-D54B-EB5661C9D619}"/>
-              </a:ext>
-            </a:extLst>
-          </p:cNvPr>
-          <p:cNvSpPr/>
+          <p:cNvSpPr txBox="1"/>
           <p:nvPr/>
         </p:nvSpPr>
         <p:spPr>
           <a:xfrm>
-            <a:off x="2652155" y="2326427"/>
-            <a:ext cx="2152375" cy="1067146"/>
+            <a:off x="2998033" y="5730247"/>
+            <a:ext cx="1569660" cy="369332"/>
           </a:xfrm>
-          <a:prstGeom prst="cloudCallout">
-            <a:avLst>
-              <a:gd name="adj1" fmla="val -36155"/>
-              <a:gd name="adj2" fmla="val 77952"/>
-            </a:avLst>
+          <a:prstGeom prst="rect">
+            <a:avLst/>
           </a:prstGeom>
+          <a:noFill/>
         </p:spPr>
-        <p:style>
-          <a:lnRef idx="2">
-            <a:schemeClr val="accent6"/>
-          </a:lnRef>
-          <a:fillRef idx="1">
-            <a:schemeClr val="lt1"/>
-          </a:fillRef>
-          <a:effectRef idx="0">
-            <a:schemeClr val="accent6"/>
-          </a:effectRef>
-          <a:fontRef idx="minor">
-            <a:schemeClr val="dk1"/>
-          </a:fontRef>
-        </p:style>
         <p:txBody>
-          <a:bodyPr rtlCol="0" anchor="ctr"/>
+          <a:bodyPr wrap="none" rtlCol="0">
+            <a:spAutoFit/>
+          </a:bodyPr>
           <a:lstStyle/>
           <a:p>
-            <a:pPr algn="ctr"/>
-            <a:r>
-              <a:rPr kumimoji="1" lang="en-US" altLang="ja-JP" dirty="0"/>
-              <a:t>cd </a:t>
-            </a:r>
-            <a:r>
-              <a:rPr kumimoji="1" lang="en-US" altLang="ja-JP" dirty="0" err="1"/>
-              <a:t>Desctop</a:t>
-            </a:r>
-            <a:endParaRPr kumimoji="1" lang="ja-JP" altLang="en-US" dirty="0"/>
-          </a:p>
-        </p:txBody>
-      </p:sp>
-      <p:sp>
-        <p:nvSpPr>
-          <p:cNvPr id="67" name="思考の吹き出し: 雲形 66">
-            <a:extLst>
-              <a:ext uri="{FF2B5EF4-FFF2-40B4-BE49-F238E27FC236}">
-                <a16:creationId xmlns:a16="http://schemas.microsoft.com/office/drawing/2014/main" id="{76910644-CE0C-1CE9-7A2C-485A68848943}"/>
-              </a:ext>
-            </a:extLst>
-          </p:cNvPr>
-          <p:cNvSpPr/>
-          <p:nvPr/>
-        </p:nvSpPr>
-        <p:spPr>
-          <a:xfrm>
-            <a:off x="7540678" y="1561175"/>
-            <a:ext cx="2721928" cy="1067146"/>
-          </a:xfrm>
-          <a:prstGeom prst="cloudCallout">
-            <a:avLst>
-              <a:gd name="adj1" fmla="val -37355"/>
-              <a:gd name="adj2" fmla="val 80761"/>
-            </a:avLst>
-          </a:prstGeom>
-        </p:spPr>
-        <p:style>
-          <a:lnRef idx="2">
-            <a:schemeClr val="accent6"/>
-          </a:lnRef>
-          <a:fillRef idx="1">
-            <a:schemeClr val="lt1"/>
-          </a:fillRef>
-          <a:effectRef idx="0">
-            <a:schemeClr val="accent6"/>
-          </a:effectRef>
-          <a:fontRef idx="minor">
-            <a:schemeClr val="dk1"/>
-          </a:fontRef>
-        </p:style>
-        <p:txBody>
-          <a:bodyPr rtlCol="0" anchor="ctr"/>
-          <a:lstStyle/>
-          <a:p>
-            <a:pPr algn="ctr"/>
-            <a:r>
-              <a:rPr kumimoji="1" lang="en-US" altLang="ja-JP" dirty="0"/>
-              <a:t>cd </a:t>
-            </a:r>
-            <a:r>
-              <a:rPr kumimoji="1" lang="en-US" altLang="ja-JP" dirty="0" err="1"/>
-              <a:t>Desctop</a:t>
-            </a:r>
-            <a:r>
-              <a:rPr kumimoji="1" lang="en-US" altLang="ja-JP" dirty="0"/>
-              <a:t>/file1</a:t>
-            </a:r>
-            <a:endParaRPr kumimoji="1" lang="ja-JP" altLang="en-US" dirty="0"/>
-          </a:p>
-        </p:txBody>
-      </p:sp>
-      <p:sp>
-        <p:nvSpPr>
-          <p:cNvPr id="68" name="思考の吹き出し: 雲形 67">
-            <a:extLst>
-              <a:ext uri="{FF2B5EF4-FFF2-40B4-BE49-F238E27FC236}">
-                <a16:creationId xmlns:a16="http://schemas.microsoft.com/office/drawing/2014/main" id="{A5A7A95D-CCD0-7927-7BC3-0043D08B51B2}"/>
-              </a:ext>
-            </a:extLst>
-          </p:cNvPr>
-          <p:cNvSpPr/>
-          <p:nvPr/>
-        </p:nvSpPr>
-        <p:spPr>
-          <a:xfrm>
-            <a:off x="7421404" y="4174293"/>
-            <a:ext cx="2721928" cy="1067146"/>
-          </a:xfrm>
-          <a:prstGeom prst="cloudCallout">
-            <a:avLst>
-              <a:gd name="adj1" fmla="val -32398"/>
-              <a:gd name="adj2" fmla="val 82166"/>
-            </a:avLst>
-          </a:prstGeom>
-        </p:spPr>
-        <p:style>
-          <a:lnRef idx="2">
-            <a:schemeClr val="accent6"/>
-          </a:lnRef>
-          <a:fillRef idx="1">
-            <a:schemeClr val="lt1"/>
-          </a:fillRef>
-          <a:effectRef idx="0">
-            <a:schemeClr val="accent6"/>
-          </a:effectRef>
-          <a:fontRef idx="minor">
-            <a:schemeClr val="dk1"/>
-          </a:fontRef>
-        </p:style>
-        <p:txBody>
-          <a:bodyPr rtlCol="0" anchor="ctr"/>
-          <a:lstStyle/>
-          <a:p>
-            <a:pPr algn="ctr"/>
-            <a:r>
-              <a:rPr kumimoji="1" lang="en-US" altLang="ja-JP" dirty="0"/>
-              <a:t>cd </a:t>
-            </a:r>
-            <a:r>
-              <a:rPr kumimoji="1" lang="en-US" altLang="ja-JP" dirty="0" err="1"/>
-              <a:t>Desctop</a:t>
-            </a:r>
-            <a:r>
-              <a:rPr kumimoji="1" lang="en-US" altLang="ja-JP" dirty="0"/>
-              <a:t>/file2</a:t>
-            </a:r>
-            <a:endParaRPr kumimoji="1" lang="ja-JP" altLang="en-US" dirty="0"/>
+            <a:r>
+              <a:rPr kumimoji="1" lang="ja-JP" altLang="en-US" dirty="0">
+                <a:solidFill>
+                  <a:srgbClr val="FF0000"/>
+                </a:solidFill>
+              </a:rPr>
+              <a:t>←現在の階層</a:t>
+            </a:r>
           </a:p>
         </p:txBody>
       </p:sp>
     </p:spTree>
     <p:extLst>
       <p:ext uri="{BB962C8B-B14F-4D97-AF65-F5344CB8AC3E}">
-        <p14:creationId xmlns:p14="http://schemas.microsoft.com/office/powerpoint/2010/main" val="391155146"/>
+        <p14:creationId xmlns:p14="http://schemas.microsoft.com/office/powerpoint/2010/main" val="1254162869"/>
       </p:ext>
     </p:extLst>
   </p:cSld>
@@ -15409,140 +15312,64 @@
         </p:nvSpPr>
         <p:spPr>
           <a:xfrm>
-            <a:off x="1251678" y="762001"/>
-            <a:ext cx="10178322" cy="5117592"/>
+            <a:off x="891914" y="616030"/>
+            <a:ext cx="10178322" cy="1293015"/>
           </a:xfrm>
         </p:spPr>
         <p:txBody>
           <a:bodyPr>
-            <a:normAutofit/>
+            <a:normAutofit lnSpcReduction="10000"/>
           </a:bodyPr>
           <a:lstStyle/>
           <a:p>
-            <a:pPr marL="457200" indent="-457200">
-              <a:buFont typeface="+mj-lt"/>
-              <a:buAutoNum type="arabicPeriod"/>
-            </a:pPr>
-            <a:r>
-              <a:rPr lang="ja-JP" altLang="en-US" sz="2400" dirty="0"/>
-              <a:t>以下のコマンドを入力し、画像のようになれば成功</a:t>
-            </a:r>
-            <a:endParaRPr lang="sv-SE" altLang="ja-JP" sz="2400" dirty="0"/>
-          </a:p>
-          <a:p>
-            <a:pPr lvl="1">
-              <a:buFont typeface="Arial" panose="020B0604020202020204" pitchFamily="34" charset="0"/>
-              <a:buChar char="•"/>
-            </a:pPr>
+            <a:r>
+              <a:rPr lang="ja-JP" altLang="en-US" sz="2200" dirty="0"/>
+              <a:t>先ほどの</a:t>
+            </a:r>
+            <a:r>
+              <a:rPr lang="en-US" altLang="ja-JP" sz="2200" dirty="0" err="1"/>
+              <a:t>pwd</a:t>
+            </a:r>
+            <a:r>
+              <a:rPr lang="ja-JP" altLang="en-US" sz="2200" dirty="0"/>
+              <a:t>で現在フォーカスしているところを表示することができました</a:t>
+            </a:r>
+            <a:endParaRPr lang="en-US" altLang="ja-JP" sz="2200" dirty="0"/>
+          </a:p>
+          <a:p>
+            <a:r>
+              <a:rPr lang="ja-JP" altLang="en-US" sz="2200" dirty="0"/>
+              <a:t>次に</a:t>
+            </a:r>
             <a:r>
               <a:rPr lang="en-US" altLang="ja-JP" sz="2200" dirty="0"/>
-              <a:t>cd Desktop/</a:t>
+              <a:t>cd</a:t>
             </a:r>
             <a:r>
               <a:rPr lang="ja-JP" altLang="en-US" sz="2200" dirty="0"/>
-              <a:t>　：デスクトップにディレクトリを移動</a:t>
-            </a:r>
-            <a:br>
+              <a:t>コマンドを使ってみましょう！</a:t>
+            </a:r>
+            <a:endParaRPr lang="en-US" altLang="ja-JP" sz="2200" dirty="0"/>
+          </a:p>
+          <a:p>
+            <a:r>
               <a:rPr lang="en-US" altLang="ja-JP" sz="2200" dirty="0"/>
-            </a:br>
-            <a:r>
-              <a:rPr lang="en-US" altLang="ja-JP" sz="2200" dirty="0"/>
-              <a:t>※</a:t>
+              <a:t>cd</a:t>
             </a:r>
             <a:r>
               <a:rPr lang="ja-JP" altLang="en-US" sz="2200" dirty="0"/>
-              <a:t>エラーの場合は </a:t>
-            </a:r>
-            <a:r>
-              <a:rPr lang="en-US" altLang="ja-JP" sz="2200" dirty="0"/>
-              <a:t>cd /c/Users/</a:t>
-            </a:r>
-            <a:r>
-              <a:rPr lang="ja-JP" altLang="en-US" sz="2200" dirty="0"/>
-              <a:t>ユーザ名</a:t>
-            </a:r>
-            <a:r>
-              <a:rPr lang="en-US" altLang="ja-JP" sz="2200" dirty="0"/>
-              <a:t>/Desktop/</a:t>
-            </a:r>
-          </a:p>
-          <a:p>
-            <a:pPr marL="0" indent="0">
-              <a:buNone/>
-            </a:pPr>
-            <a:endParaRPr lang="en-US" altLang="ja-JP" sz="2400" dirty="0"/>
-          </a:p>
-          <a:p>
-            <a:pPr marL="457200" indent="-457200">
-              <a:buFont typeface="+mj-lt"/>
-              <a:buAutoNum type="arabicPeriod"/>
-            </a:pPr>
-            <a:r>
-              <a:rPr lang="ja-JP" altLang="en-US" sz="2400" dirty="0"/>
-              <a:t>以下のコマンドを入力し、画像のようになれば成功</a:t>
-            </a:r>
-            <a:endParaRPr lang="en-US" altLang="ja-JP" sz="2400" dirty="0"/>
-          </a:p>
-          <a:p>
-            <a:pPr lvl="1">
-              <a:buFont typeface="Arial" panose="020B0604020202020204" pitchFamily="34" charset="0"/>
-              <a:buChar char="•"/>
-            </a:pPr>
-            <a:r>
-              <a:rPr lang="en-US" altLang="ja-JP" sz="2400" dirty="0" err="1"/>
-              <a:t>mkdir</a:t>
-            </a:r>
-            <a:r>
-              <a:rPr lang="en-US" altLang="ja-JP" sz="2400" dirty="0"/>
-              <a:t> </a:t>
-            </a:r>
-            <a:r>
-              <a:rPr lang="en-US" altLang="ja-JP" sz="2400" dirty="0" err="1"/>
-              <a:t>gitbash_test</a:t>
-            </a:r>
-            <a:endParaRPr lang="en-US" altLang="ja-JP" sz="2400" dirty="0"/>
-          </a:p>
-          <a:p>
-            <a:pPr lvl="1">
-              <a:buFont typeface="Arial" panose="020B0604020202020204" pitchFamily="34" charset="0"/>
-              <a:buChar char="•"/>
-            </a:pPr>
-            <a:r>
-              <a:rPr lang="en-US" altLang="ja-JP" sz="2400" dirty="0"/>
-              <a:t>cd </a:t>
-            </a:r>
-            <a:r>
-              <a:rPr lang="en-US" altLang="ja-JP" sz="2400" dirty="0" err="1"/>
-              <a:t>gitbash_test</a:t>
-            </a:r>
-            <a:r>
-              <a:rPr lang="en-US" altLang="ja-JP" sz="2400" dirty="0"/>
-              <a:t>/</a:t>
-            </a:r>
-          </a:p>
-          <a:p>
-            <a:pPr lvl="1">
-              <a:buFont typeface="Arial" panose="020B0604020202020204" pitchFamily="34" charset="0"/>
-              <a:buChar char="•"/>
-            </a:pPr>
-            <a:r>
-              <a:rPr lang="en-US" altLang="ja-JP" sz="2400" dirty="0"/>
-              <a:t>git </a:t>
-            </a:r>
-            <a:r>
-              <a:rPr lang="en-US" altLang="ja-JP" sz="2400" dirty="0" err="1"/>
-              <a:t>init</a:t>
-            </a:r>
-            <a:endParaRPr lang="en-US" altLang="ja-JP" sz="2400" dirty="0"/>
+              <a:t>とはフォーカスしている場所を変更するコマンドです</a:t>
+            </a:r>
+            <a:endParaRPr lang="en-US" altLang="ja-JP" sz="2200" dirty="0"/>
           </a:p>
         </p:txBody>
       </p:sp>
       <p:pic>
         <p:nvPicPr>
-          <p:cNvPr id="16" name="図 15" descr="テキスト&#10;&#10;自動的に生成された説明">
+          <p:cNvPr id="7" name="図 6" descr="テキスト&#10;&#10;自動的に生成された説明">
             <a:extLst>
               <a:ext uri="{FF2B5EF4-FFF2-40B4-BE49-F238E27FC236}">
-                <a16:creationId xmlns:a16="http://schemas.microsoft.com/office/drawing/2014/main" id="{EFB9CD06-8928-6215-A16D-467D9F030642}"/>
+                <a16:creationId xmlns:a16="http://schemas.microsoft.com/office/drawing/2014/main" id="{29105201-973A-E585-451D-4B1FA35398E3}"/>
               </a:ext>
             </a:extLst>
           </p:cNvPr>
@@ -15565,20 +15392,76 @@
         </p:blipFill>
         <p:spPr>
           <a:xfrm>
-            <a:off x="4032354" y="4590073"/>
-            <a:ext cx="7776592" cy="1930647"/>
+            <a:off x="891912" y="5009271"/>
+            <a:ext cx="5676528" cy="1848729"/>
           </a:xfrm>
           <a:prstGeom prst="rect">
             <a:avLst/>
           </a:prstGeom>
+          <a:ln>
+            <a:noFill/>
+          </a:ln>
+          <a:effectLst>
+            <a:outerShdw blurRad="292100" dist="139700" dir="2700000" algn="tl" rotWithShape="0">
+              <a:srgbClr val="333333">
+                <a:alpha val="65000"/>
+              </a:srgbClr>
+            </a:outerShdw>
+          </a:effectLst>
+        </p:spPr>
+      </p:pic>
+      <p:pic>
+        <p:nvPicPr>
+          <p:cNvPr id="9" name="図 8" descr="テキスト&#10;&#10;自動的に生成された説明">
+            <a:extLst>
+              <a:ext uri="{FF2B5EF4-FFF2-40B4-BE49-F238E27FC236}">
+                <a16:creationId xmlns:a16="http://schemas.microsoft.com/office/drawing/2014/main" id="{D5D64F25-FDD0-8ACE-A511-1044DC2BB664}"/>
+              </a:ext>
+            </a:extLst>
+          </p:cNvPr>
+          <p:cNvPicPr>
+            <a:picLocks noChangeAspect="1"/>
+          </p:cNvPicPr>
+          <p:nvPr/>
+        </p:nvPicPr>
+        <p:blipFill>
+          <a:blip r:embed="rId3">
+            <a:extLst>
+              <a:ext uri="{28A0092B-C50C-407E-A947-70E740481C1C}">
+                <a14:useLocalDpi xmlns:a14="http://schemas.microsoft.com/office/drawing/2010/main" val="0"/>
+              </a:ext>
+            </a:extLst>
+          </a:blip>
+          <a:stretch>
+            <a:fillRect/>
+          </a:stretch>
+        </p:blipFill>
+        <p:spPr>
+          <a:xfrm>
+            <a:off x="891914" y="2129355"/>
+            <a:ext cx="5558036" cy="1293015"/>
+          </a:xfrm>
+          <a:prstGeom prst="rect">
+            <a:avLst/>
+          </a:prstGeom>
+          <a:ln>
+            <a:noFill/>
+          </a:ln>
+          <a:effectLst>
+            <a:outerShdw blurRad="292100" dist="139700" dir="2700000" algn="tl" rotWithShape="0">
+              <a:srgbClr val="333333">
+                <a:alpha val="65000"/>
+              </a:srgbClr>
+            </a:outerShdw>
+          </a:effectLst>
         </p:spPr>
       </p:pic>
       <p:sp>
         <p:nvSpPr>
-          <p:cNvPr id="17" name="正方形/長方形 16">
+          <p:cNvPr id="10" name="矢印: 下 9">
             <a:extLst>
               <a:ext uri="{FF2B5EF4-FFF2-40B4-BE49-F238E27FC236}">
-                <a16:creationId xmlns:a16="http://schemas.microsoft.com/office/drawing/2014/main" id="{9D39571C-6C1E-0299-319B-B4F5B90F4DEC}"/>
+                <a16:creationId xmlns:a16="http://schemas.microsoft.com/office/drawing/2014/main" id="{22926BC9-A7F7-557B-FEAF-DE4735B7B8D0}"/>
               </a:ext>
             </a:extLst>
           </p:cNvPr>
@@ -15587,33 +15470,25 @@
         </p:nvSpPr>
         <p:spPr>
           <a:xfrm>
-            <a:off x="8297940" y="6205471"/>
-            <a:ext cx="872865" cy="160404"/>
+            <a:off x="2571311" y="4021439"/>
+            <a:ext cx="1909249" cy="671525"/>
           </a:xfrm>
-          <a:prstGeom prst="rect">
+          <a:prstGeom prst="downArrow">
             <a:avLst/>
           </a:prstGeom>
-          <a:solidFill>
-            <a:schemeClr val="tx1">
-              <a:lumMod val="75000"/>
-              <a:lumOff val="25000"/>
-            </a:schemeClr>
-          </a:solidFill>
-          <a:ln>
-            <a:noFill/>
-          </a:ln>
+          <a:ln/>
         </p:spPr>
         <p:style>
           <a:lnRef idx="2">
-            <a:schemeClr val="accent1">
+            <a:schemeClr val="accent5">
               <a:shade val="50000"/>
             </a:schemeClr>
           </a:lnRef>
           <a:fillRef idx="1">
-            <a:schemeClr val="accent1"/>
+            <a:schemeClr val="accent5"/>
           </a:fillRef>
           <a:effectRef idx="0">
-            <a:schemeClr val="accent1"/>
+            <a:schemeClr val="accent5"/>
           </a:effectRef>
           <a:fontRef idx="minor">
             <a:schemeClr val="lt1"/>
@@ -15624,16 +15499,310 @@
           <a:lstStyle/>
           <a:p>
             <a:pPr algn="ctr"/>
-            <a:endParaRPr kumimoji="1" lang="ja-JP" altLang="en-US"/>
+            <a:endParaRPr kumimoji="1" lang="ja-JP" altLang="en-US">
+              <a:ln w="0"/>
+              <a:solidFill>
+                <a:schemeClr val="tx1"/>
+              </a:solidFill>
+              <a:effectLst>
+                <a:outerShdw blurRad="38100" dist="19050" dir="2700000" algn="tl" rotWithShape="0">
+                  <a:schemeClr val="dk1">
+                    <a:alpha val="40000"/>
+                  </a:schemeClr>
+                </a:outerShdw>
+              </a:effectLst>
+            </a:endParaRPr>
           </a:p>
         </p:txBody>
       </p:sp>
+      <p:sp>
+        <p:nvSpPr>
+          <p:cNvPr id="11" name="テキスト ボックス 10">
+            <a:extLst>
+              <a:ext uri="{FF2B5EF4-FFF2-40B4-BE49-F238E27FC236}">
+                <a16:creationId xmlns:a16="http://schemas.microsoft.com/office/drawing/2014/main" id="{E7E7B4DD-D9AF-E506-6D41-3B813F8B7E0B}"/>
+              </a:ext>
+            </a:extLst>
+          </p:cNvPr>
+          <p:cNvSpPr txBox="1"/>
+          <p:nvPr/>
+        </p:nvSpPr>
+        <p:spPr>
+          <a:xfrm>
+            <a:off x="6449950" y="2191782"/>
+            <a:ext cx="5246949" cy="369332"/>
+          </a:xfrm>
+          <a:prstGeom prst="rect">
+            <a:avLst/>
+          </a:prstGeom>
+          <a:noFill/>
+        </p:spPr>
+        <p:txBody>
+          <a:bodyPr wrap="none" rtlCol="0">
+            <a:spAutoFit/>
+          </a:bodyPr>
+          <a:lstStyle/>
+          <a:p>
+            <a:r>
+              <a:rPr kumimoji="1" lang="ja-JP" altLang="en-US" dirty="0">
+                <a:solidFill>
+                  <a:srgbClr val="FF0000"/>
+                </a:solidFill>
+              </a:rPr>
+              <a:t>←</a:t>
+            </a:r>
+            <a:r>
+              <a:rPr kumimoji="1" lang="en-US" altLang="ja-JP" dirty="0">
+                <a:solidFill>
+                  <a:srgbClr val="FF0000"/>
+                </a:solidFill>
+              </a:rPr>
+              <a:t>cd </a:t>
+            </a:r>
+            <a:r>
+              <a:rPr kumimoji="1" lang="en-US" altLang="ja-JP" dirty="0" err="1">
+                <a:solidFill>
+                  <a:srgbClr val="FF0000"/>
+                </a:solidFill>
+              </a:rPr>
+              <a:t>Desctop</a:t>
+            </a:r>
+            <a:r>
+              <a:rPr kumimoji="1" lang="en-US" altLang="ja-JP" dirty="0">
+                <a:solidFill>
+                  <a:srgbClr val="FF0000"/>
+                </a:solidFill>
+              </a:rPr>
+              <a:t>/</a:t>
+            </a:r>
+            <a:r>
+              <a:rPr kumimoji="1" lang="ja-JP" altLang="en-US" dirty="0">
+                <a:solidFill>
+                  <a:srgbClr val="FF0000"/>
+                </a:solidFill>
+              </a:rPr>
+              <a:t>フォーカスしたいファイル名を入力</a:t>
+            </a:r>
+          </a:p>
+        </p:txBody>
+      </p:sp>
+      <p:sp>
+        <p:nvSpPr>
+          <p:cNvPr id="12" name="テキスト ボックス 11">
+            <a:extLst>
+              <a:ext uri="{FF2B5EF4-FFF2-40B4-BE49-F238E27FC236}">
+                <a16:creationId xmlns:a16="http://schemas.microsoft.com/office/drawing/2014/main" id="{84874640-4847-6AD7-95B9-441300CC5527}"/>
+              </a:ext>
+            </a:extLst>
+          </p:cNvPr>
+          <p:cNvSpPr txBox="1"/>
+          <p:nvPr/>
+        </p:nvSpPr>
+        <p:spPr>
+          <a:xfrm>
+            <a:off x="6568440" y="5534401"/>
+            <a:ext cx="5142755" cy="646331"/>
+          </a:xfrm>
+          <a:prstGeom prst="rect">
+            <a:avLst/>
+          </a:prstGeom>
+          <a:noFill/>
+        </p:spPr>
+        <p:txBody>
+          <a:bodyPr wrap="none" rtlCol="0">
+            <a:spAutoFit/>
+          </a:bodyPr>
+          <a:lstStyle/>
+          <a:p>
+            <a:r>
+              <a:rPr kumimoji="1" lang="ja-JP" altLang="en-US" dirty="0">
+                <a:solidFill>
+                  <a:srgbClr val="FF0000"/>
+                </a:solidFill>
+              </a:rPr>
+              <a:t>←</a:t>
+            </a:r>
+            <a:r>
+              <a:rPr kumimoji="1" lang="en-US" altLang="ja-JP" dirty="0">
+                <a:solidFill>
+                  <a:srgbClr val="FF0000"/>
+                </a:solidFill>
+              </a:rPr>
+              <a:t>Enter</a:t>
+            </a:r>
+            <a:r>
+              <a:rPr kumimoji="1" lang="ja-JP" altLang="en-US" dirty="0">
+                <a:solidFill>
+                  <a:srgbClr val="FF0000"/>
+                </a:solidFill>
+              </a:rPr>
+              <a:t>後</a:t>
+            </a:r>
+            <a:r>
+              <a:rPr kumimoji="1" lang="en-US" altLang="ja-JP" dirty="0" err="1">
+                <a:solidFill>
+                  <a:srgbClr val="FF0000"/>
+                </a:solidFill>
+              </a:rPr>
+              <a:t>pwd</a:t>
+            </a:r>
+            <a:r>
+              <a:rPr kumimoji="1" lang="ja-JP" altLang="en-US" dirty="0">
+                <a:solidFill>
+                  <a:srgbClr val="FF0000"/>
+                </a:solidFill>
+              </a:rPr>
+              <a:t>で確認しましょう</a:t>
+            </a:r>
+            <a:endParaRPr kumimoji="1" lang="en-US" altLang="ja-JP" dirty="0">
+              <a:solidFill>
+                <a:srgbClr val="FF0000"/>
+              </a:solidFill>
+            </a:endParaRPr>
+          </a:p>
+          <a:p>
+            <a:r>
+              <a:rPr kumimoji="1" lang="ja-JP" altLang="en-US" dirty="0">
+                <a:solidFill>
+                  <a:srgbClr val="FF0000"/>
+                </a:solidFill>
+              </a:rPr>
+              <a:t>　フォーカスしている場所が変わっていれば</a:t>
+            </a:r>
+            <a:r>
+              <a:rPr kumimoji="1" lang="en-US" altLang="ja-JP" dirty="0">
+                <a:solidFill>
+                  <a:srgbClr val="FF0000"/>
+                </a:solidFill>
+              </a:rPr>
+              <a:t>OK</a:t>
+            </a:r>
+            <a:endParaRPr kumimoji="1" lang="ja-JP" altLang="en-US" dirty="0">
+              <a:solidFill>
+                <a:srgbClr val="FF0000"/>
+              </a:solidFill>
+            </a:endParaRPr>
+          </a:p>
+        </p:txBody>
+      </p:sp>
+      <p:cxnSp>
+        <p:nvCxnSpPr>
+          <p:cNvPr id="17" name="直線コネクタ 16">
+            <a:extLst>
+              <a:ext uri="{FF2B5EF4-FFF2-40B4-BE49-F238E27FC236}">
+                <a16:creationId xmlns:a16="http://schemas.microsoft.com/office/drawing/2014/main" id="{ABFAA994-CFB2-F065-104E-70E0E1160F1C}"/>
+              </a:ext>
+            </a:extLst>
+          </p:cNvPr>
+          <p:cNvCxnSpPr>
+            <a:cxnSpLocks/>
+          </p:cNvCxnSpPr>
+          <p:nvPr/>
+        </p:nvCxnSpPr>
+        <p:spPr>
+          <a:xfrm>
+            <a:off x="2571311" y="2681474"/>
+            <a:ext cx="2153089" cy="0"/>
+          </a:xfrm>
+          <a:prstGeom prst="line">
+            <a:avLst/>
+          </a:prstGeom>
+          <a:ln>
+            <a:solidFill>
+              <a:srgbClr val="FF0000"/>
+            </a:solidFill>
+          </a:ln>
+        </p:spPr>
+        <p:style>
+          <a:lnRef idx="1">
+            <a:schemeClr val="accent1"/>
+          </a:lnRef>
+          <a:fillRef idx="0">
+            <a:schemeClr val="accent1"/>
+          </a:fillRef>
+          <a:effectRef idx="0">
+            <a:schemeClr val="accent1"/>
+          </a:effectRef>
+          <a:fontRef idx="minor">
+            <a:schemeClr val="tx1"/>
+          </a:fontRef>
+        </p:style>
+      </p:cxnSp>
+      <p:sp>
+        <p:nvSpPr>
+          <p:cNvPr id="20" name="テキスト ボックス 19">
+            <a:extLst>
+              <a:ext uri="{FF2B5EF4-FFF2-40B4-BE49-F238E27FC236}">
+                <a16:creationId xmlns:a16="http://schemas.microsoft.com/office/drawing/2014/main" id="{5C7306A0-00BD-3760-572D-ABE5A9479EF3}"/>
+              </a:ext>
+            </a:extLst>
+          </p:cNvPr>
+          <p:cNvSpPr txBox="1"/>
+          <p:nvPr/>
+        </p:nvSpPr>
+        <p:spPr>
+          <a:xfrm>
+            <a:off x="2571965" y="2775862"/>
+            <a:ext cx="3877985" cy="369332"/>
+          </a:xfrm>
+          <a:prstGeom prst="rect">
+            <a:avLst/>
+          </a:prstGeom>
+          <a:noFill/>
+        </p:spPr>
+        <p:txBody>
+          <a:bodyPr wrap="none" rtlCol="0">
+            <a:spAutoFit/>
+          </a:bodyPr>
+          <a:lstStyle/>
+          <a:p>
+            <a:r>
+              <a:rPr kumimoji="1" lang="ja-JP" altLang="en-US" dirty="0">
+                <a:solidFill>
+                  <a:srgbClr val="FF0000"/>
+                </a:solidFill>
+              </a:rPr>
+              <a:t>フォーカスしたいファイル名を入力</a:t>
+            </a:r>
+          </a:p>
+        </p:txBody>
+      </p:sp>
+    </p:spTree>
+    <p:extLst>
+      <p:ext uri="{BB962C8B-B14F-4D97-AF65-F5344CB8AC3E}">
+        <p14:creationId xmlns:p14="http://schemas.microsoft.com/office/powerpoint/2010/main" val="391155146"/>
+      </p:ext>
+    </p:extLst>
+  </p:cSld>
+  <p:clrMapOvr>
+    <a:masterClrMapping/>
+  </p:clrMapOvr>
+</p:sld>
+</file>
+
+<file path=ppt/slides/slide18.xml><?xml version="1.0" encoding="utf-8"?>
+<p:sld xmlns:a="http://schemas.openxmlformats.org/drawingml/2006/main" xmlns:r="http://schemas.openxmlformats.org/officeDocument/2006/relationships" xmlns:p="http://schemas.openxmlformats.org/presentationml/2006/main">
+  <p:cSld>
+    <p:spTree>
+      <p:nvGrpSpPr>
+        <p:cNvPr id="1" name=""/>
+        <p:cNvGrpSpPr/>
+        <p:nvPr/>
+      </p:nvGrpSpPr>
+      <p:grpSpPr>
+        <a:xfrm>
+          <a:off x="0" y="0"/>
+          <a:ext cx="0" cy="0"/>
+          <a:chOff x="0" y="0"/>
+          <a:chExt cx="0" cy="0"/>
+        </a:xfrm>
+      </p:grpSpPr>
       <p:grpSp>
         <p:nvGrpSpPr>
-          <p:cNvPr id="36" name="グループ化 35">
+          <p:cNvPr id="22" name="グループ化 21">
             <a:extLst>
               <a:ext uri="{FF2B5EF4-FFF2-40B4-BE49-F238E27FC236}">
-                <a16:creationId xmlns:a16="http://schemas.microsoft.com/office/drawing/2014/main" id="{B0F1FBFA-7A3F-AF18-C442-7EC76C3436CD}"/>
+                <a16:creationId xmlns:a16="http://schemas.microsoft.com/office/drawing/2014/main" id="{724BD0FF-725E-9556-D9B3-CC361A622EDA}"/>
               </a:ext>
             </a:extLst>
           </p:cNvPr>
@@ -15642,18 +15811,18 @@
         </p:nvGrpSpPr>
         <p:grpSpPr>
           <a:xfrm>
-            <a:off x="6096000" y="1756974"/>
-            <a:ext cx="1329557" cy="1617786"/>
-            <a:chOff x="3994134" y="2898289"/>
-            <a:chExt cx="1329557" cy="1617786"/>
+            <a:off x="8728776" y="4855645"/>
+            <a:ext cx="1729571" cy="1304463"/>
+            <a:chOff x="5050302" y="4887653"/>
+            <a:chExt cx="1729571" cy="1304463"/>
           </a:xfrm>
         </p:grpSpPr>
         <p:sp>
           <p:nvSpPr>
-            <p:cNvPr id="37" name="四角形: メモ 36">
+            <p:cNvPr id="23" name="矢印: 五方向 22">
               <a:extLst>
                 <a:ext uri="{FF2B5EF4-FFF2-40B4-BE49-F238E27FC236}">
-                  <a16:creationId xmlns:a16="http://schemas.microsoft.com/office/drawing/2014/main" id="{6C23E764-9CEC-89BE-10A8-16D588DBB3C8}"/>
+                  <a16:creationId xmlns:a16="http://schemas.microsoft.com/office/drawing/2014/main" id="{29FD6FCA-5AB8-E3C4-463D-74436A6D8F3A}"/>
                 </a:ext>
               </a:extLst>
             </p:cNvPr>
@@ -15661,9 +15830,55 @@
             <p:nvPr/>
           </p:nvSpPr>
           <p:spPr>
-            <a:xfrm rot="10800000" flipH="1">
-              <a:off x="4149297" y="2912831"/>
-              <a:ext cx="1174394" cy="1547446"/>
+            <a:xfrm>
+              <a:off x="5071027" y="4887653"/>
+              <a:ext cx="921810" cy="550112"/>
+            </a:xfrm>
+            <a:prstGeom prst="homePlate">
+              <a:avLst/>
+            </a:prstGeom>
+          </p:spPr>
+          <p:style>
+            <a:lnRef idx="2">
+              <a:schemeClr val="accent1">
+                <a:shade val="50000"/>
+              </a:schemeClr>
+            </a:lnRef>
+            <a:fillRef idx="1">
+              <a:schemeClr val="accent1"/>
+            </a:fillRef>
+            <a:effectRef idx="0">
+              <a:schemeClr val="accent1"/>
+            </a:effectRef>
+            <a:fontRef idx="minor">
+              <a:schemeClr val="lt1"/>
+            </a:fontRef>
+          </p:style>
+          <p:txBody>
+            <a:bodyPr rtlCol="0" anchor="ctr"/>
+            <a:lstStyle/>
+            <a:p>
+              <a:pPr algn="ctr"/>
+              <a:endParaRPr kumimoji="1" lang="ja-JP" altLang="en-US"/>
+            </a:p>
+          </p:txBody>
+        </p:sp>
+        <p:sp>
+          <p:nvSpPr>
+            <p:cNvPr id="24" name="四角形: メモ 23">
+              <a:extLst>
+                <a:ext uri="{FF2B5EF4-FFF2-40B4-BE49-F238E27FC236}">
+                  <a16:creationId xmlns:a16="http://schemas.microsoft.com/office/drawing/2014/main" id="{30ED6B46-D633-E012-01E9-AE76E572B9F9}"/>
+                </a:ext>
+              </a:extLst>
+            </p:cNvPr>
+            <p:cNvSpPr/>
+            <p:nvPr/>
+          </p:nvSpPr>
+          <p:spPr>
+            <a:xfrm>
+              <a:off x="5071027" y="5002023"/>
+              <a:ext cx="1708846" cy="881305"/>
             </a:xfrm>
             <a:prstGeom prst="foldedCorner">
               <a:avLst/>
@@ -15694,10 +15909,10 @@
         </p:sp>
         <p:sp>
           <p:nvSpPr>
-            <p:cNvPr id="38" name="フローチャート: カード 37">
+            <p:cNvPr id="25" name="正方形/長方形 24">
               <a:extLst>
                 <a:ext uri="{FF2B5EF4-FFF2-40B4-BE49-F238E27FC236}">
-                  <a16:creationId xmlns:a16="http://schemas.microsoft.com/office/drawing/2014/main" id="{E6C9D45E-D79F-9F2A-8F21-89F14F0D681E}"/>
+                  <a16:creationId xmlns:a16="http://schemas.microsoft.com/office/drawing/2014/main" id="{45AEFF03-8E2F-FC4E-D102-1046B3054260}"/>
                 </a:ext>
               </a:extLst>
             </p:cNvPr>
@@ -15705,11 +15920,11 @@
             <p:nvPr/>
           </p:nvSpPr>
           <p:spPr>
-            <a:xfrm flipH="1">
-              <a:off x="3994134" y="2898289"/>
-              <a:ext cx="1280160" cy="1617786"/>
+            <a:xfrm>
+              <a:off x="5050302" y="5106572"/>
+              <a:ext cx="1729571" cy="1085544"/>
             </a:xfrm>
-            <a:prstGeom prst="flowChartPunchedCard">
+            <a:prstGeom prst="rect">
               <a:avLst/>
             </a:prstGeom>
           </p:spPr>
@@ -15736,7 +15951,7 @@
               <a:pPr algn="ctr"/>
               <a:r>
                 <a:rPr kumimoji="1" lang="en-US" altLang="ja-JP" dirty="0"/>
-                <a:t>file1</a:t>
+                <a:t>Folder3</a:t>
               </a:r>
               <a:endParaRPr kumimoji="1" lang="ja-JP" altLang="en-US" dirty="0"/>
             </a:p>
@@ -15745,10 +15960,10 @@
       </p:grpSp>
       <p:grpSp>
         <p:nvGrpSpPr>
-          <p:cNvPr id="39" name="グループ化 38">
+          <p:cNvPr id="18" name="グループ化 17">
             <a:extLst>
               <a:ext uri="{FF2B5EF4-FFF2-40B4-BE49-F238E27FC236}">
-                <a16:creationId xmlns:a16="http://schemas.microsoft.com/office/drawing/2014/main" id="{518F6E51-E40D-C3B1-EEBB-633F9259A6EC}"/>
+                <a16:creationId xmlns:a16="http://schemas.microsoft.com/office/drawing/2014/main" id="{E5DB3F80-8BCB-8C46-8B56-FEEF3952E1A9}"/>
               </a:ext>
             </a:extLst>
           </p:cNvPr>
@@ -15757,18 +15972,18 @@
         </p:nvGrpSpPr>
         <p:grpSpPr>
           <a:xfrm>
-            <a:off x="6173581" y="4430095"/>
-            <a:ext cx="1329557" cy="1617786"/>
-            <a:chOff x="3994134" y="2898289"/>
-            <a:chExt cx="1329557" cy="1617786"/>
+            <a:off x="7512304" y="1653180"/>
+            <a:ext cx="1729571" cy="1304463"/>
+            <a:chOff x="5050302" y="4887653"/>
+            <a:chExt cx="1729571" cy="1304463"/>
           </a:xfrm>
         </p:grpSpPr>
         <p:sp>
           <p:nvSpPr>
-            <p:cNvPr id="40" name="四角形: メモ 39">
+            <p:cNvPr id="19" name="矢印: 五方向 18">
               <a:extLst>
                 <a:ext uri="{FF2B5EF4-FFF2-40B4-BE49-F238E27FC236}">
-                  <a16:creationId xmlns:a16="http://schemas.microsoft.com/office/drawing/2014/main" id="{05D8E473-30FF-64D6-D446-F8661A6D3830}"/>
+                  <a16:creationId xmlns:a16="http://schemas.microsoft.com/office/drawing/2014/main" id="{2CF846D8-15A9-D4DB-7F7A-1B288B4A2226}"/>
                 </a:ext>
               </a:extLst>
             </p:cNvPr>
@@ -15776,9 +15991,55 @@
             <p:nvPr/>
           </p:nvSpPr>
           <p:spPr>
-            <a:xfrm rot="10800000" flipH="1">
-              <a:off x="4149297" y="2912831"/>
-              <a:ext cx="1174394" cy="1547446"/>
+            <a:xfrm>
+              <a:off x="5071027" y="4887653"/>
+              <a:ext cx="921810" cy="550112"/>
+            </a:xfrm>
+            <a:prstGeom prst="homePlate">
+              <a:avLst/>
+            </a:prstGeom>
+          </p:spPr>
+          <p:style>
+            <a:lnRef idx="2">
+              <a:schemeClr val="accent1">
+                <a:shade val="50000"/>
+              </a:schemeClr>
+            </a:lnRef>
+            <a:fillRef idx="1">
+              <a:schemeClr val="accent1"/>
+            </a:fillRef>
+            <a:effectRef idx="0">
+              <a:schemeClr val="accent1"/>
+            </a:effectRef>
+            <a:fontRef idx="minor">
+              <a:schemeClr val="lt1"/>
+            </a:fontRef>
+          </p:style>
+          <p:txBody>
+            <a:bodyPr rtlCol="0" anchor="ctr"/>
+            <a:lstStyle/>
+            <a:p>
+              <a:pPr algn="ctr"/>
+              <a:endParaRPr kumimoji="1" lang="ja-JP" altLang="en-US"/>
+            </a:p>
+          </p:txBody>
+        </p:sp>
+        <p:sp>
+          <p:nvSpPr>
+            <p:cNvPr id="20" name="四角形: メモ 19">
+              <a:extLst>
+                <a:ext uri="{FF2B5EF4-FFF2-40B4-BE49-F238E27FC236}">
+                  <a16:creationId xmlns:a16="http://schemas.microsoft.com/office/drawing/2014/main" id="{DD01EDF6-3414-F7D4-CF34-531CDB815880}"/>
+                </a:ext>
+              </a:extLst>
+            </p:cNvPr>
+            <p:cNvSpPr/>
+            <p:nvPr/>
+          </p:nvSpPr>
+          <p:spPr>
+            <a:xfrm>
+              <a:off x="5071027" y="5002023"/>
+              <a:ext cx="1708846" cy="881305"/>
             </a:xfrm>
             <a:prstGeom prst="foldedCorner">
               <a:avLst/>
@@ -15809,10 +16070,10 @@
         </p:sp>
         <p:sp>
           <p:nvSpPr>
-            <p:cNvPr id="41" name="フローチャート: カード 40">
+            <p:cNvPr id="21" name="正方形/長方形 20">
               <a:extLst>
                 <a:ext uri="{FF2B5EF4-FFF2-40B4-BE49-F238E27FC236}">
-                  <a16:creationId xmlns:a16="http://schemas.microsoft.com/office/drawing/2014/main" id="{D897AF24-5A5A-D8D3-338A-939EA359EC78}"/>
+                  <a16:creationId xmlns:a16="http://schemas.microsoft.com/office/drawing/2014/main" id="{A0F5C41E-3C96-6B61-EBFC-B1C4BD47EEB3}"/>
                 </a:ext>
               </a:extLst>
             </p:cNvPr>
@@ -15820,11 +16081,11 @@
             <p:nvPr/>
           </p:nvSpPr>
           <p:spPr>
-            <a:xfrm flipH="1">
-              <a:off x="3994134" y="2898289"/>
-              <a:ext cx="1280160" cy="1617786"/>
+            <a:xfrm>
+              <a:off x="5050302" y="5106572"/>
+              <a:ext cx="1729571" cy="1085544"/>
             </a:xfrm>
-            <a:prstGeom prst="flowChartPunchedCard">
+            <a:prstGeom prst="rect">
               <a:avLst/>
             </a:prstGeom>
           </p:spPr>
@@ -15851,13 +16112,193 @@
               <a:pPr algn="ctr"/>
               <a:r>
                 <a:rPr kumimoji="1" lang="en-US" altLang="ja-JP" dirty="0"/>
-                <a:t>file2</a:t>
+                <a:t>Folder</a:t>
               </a:r>
+              <a:r>
+                <a:rPr kumimoji="1" lang="ja-JP" altLang="en-US" dirty="0"/>
+                <a:t>１</a:t>
+              </a:r>
+            </a:p>
+          </p:txBody>
+        </p:sp>
+      </p:grpSp>
+      <p:grpSp>
+        <p:nvGrpSpPr>
+          <p:cNvPr id="2" name="グループ化 1">
+            <a:extLst>
+              <a:ext uri="{FF2B5EF4-FFF2-40B4-BE49-F238E27FC236}">
+                <a16:creationId xmlns:a16="http://schemas.microsoft.com/office/drawing/2014/main" id="{F4F5466F-7EAC-2F69-49BC-3355F3BC6CB5}"/>
+              </a:ext>
+            </a:extLst>
+          </p:cNvPr>
+          <p:cNvGrpSpPr/>
+          <p:nvPr/>
+        </p:nvGrpSpPr>
+        <p:grpSpPr>
+          <a:xfrm>
+            <a:off x="-156089" y="-1"/>
+            <a:ext cx="12348089" cy="634258"/>
+            <a:chOff x="-156089" y="-1"/>
+            <a:chExt cx="12348089" cy="634258"/>
+          </a:xfrm>
+        </p:grpSpPr>
+        <p:sp>
+          <p:nvSpPr>
+            <p:cNvPr id="3" name="正方形/長方形 2">
+              <a:extLst>
+                <a:ext uri="{FF2B5EF4-FFF2-40B4-BE49-F238E27FC236}">
+                  <a16:creationId xmlns:a16="http://schemas.microsoft.com/office/drawing/2014/main" id="{1EBFB064-5E5A-1305-2BEA-ABEA77BB03A0}"/>
+                </a:ext>
+              </a:extLst>
+            </p:cNvPr>
+            <p:cNvSpPr/>
+            <p:nvPr/>
+          </p:nvSpPr>
+          <p:spPr>
+            <a:xfrm>
+              <a:off x="0" y="-1"/>
+              <a:ext cx="12192000" cy="505841"/>
+            </a:xfrm>
+            <a:prstGeom prst="rect">
+              <a:avLst/>
+            </a:prstGeom>
+            <a:ln>
+              <a:solidFill>
+                <a:schemeClr val="tx2">
+                  <a:lumMod val="90000"/>
+                  <a:lumOff val="10000"/>
+                </a:schemeClr>
+              </a:solidFill>
+            </a:ln>
+          </p:spPr>
+          <p:style>
+            <a:lnRef idx="2">
+              <a:schemeClr val="dk1">
+                <a:shade val="50000"/>
+              </a:schemeClr>
+            </a:lnRef>
+            <a:fillRef idx="1">
+              <a:schemeClr val="dk1"/>
+            </a:fillRef>
+            <a:effectRef idx="0">
+              <a:schemeClr val="dk1"/>
+            </a:effectRef>
+            <a:fontRef idx="minor">
+              <a:schemeClr val="lt1"/>
+            </a:fontRef>
+          </p:style>
+          <p:txBody>
+            <a:bodyPr rtlCol="0" anchor="ctr"/>
+            <a:lstStyle/>
+            <a:p>
+              <a:pPr algn="ctr"/>
               <a:endParaRPr kumimoji="1" lang="ja-JP" altLang="en-US" dirty="0"/>
             </a:p>
           </p:txBody>
         </p:sp>
+        <p:sp>
+          <p:nvSpPr>
+            <p:cNvPr id="4" name="タイトル 1">
+              <a:extLst>
+                <a:ext uri="{FF2B5EF4-FFF2-40B4-BE49-F238E27FC236}">
+                  <a16:creationId xmlns:a16="http://schemas.microsoft.com/office/drawing/2014/main" id="{212577DE-B806-097E-C227-B2DD56DE5531}"/>
+                </a:ext>
+              </a:extLst>
+            </p:cNvPr>
+            <p:cNvSpPr txBox="1">
+              <a:spLocks/>
+            </p:cNvSpPr>
+            <p:nvPr/>
+          </p:nvSpPr>
+          <p:spPr>
+            <a:xfrm>
+              <a:off x="-156089" y="36280"/>
+              <a:ext cx="8610772" cy="597977"/>
+            </a:xfrm>
+            <a:prstGeom prst="rect">
+              <a:avLst/>
+            </a:prstGeom>
+          </p:spPr>
+          <p:txBody>
+            <a:bodyPr vert="horz" lIns="91440" tIns="45720" rIns="91440" bIns="45720" rtlCol="0" anchor="t">
+              <a:normAutofit/>
+            </a:bodyPr>
+            <a:lstStyle>
+              <a:lvl1pPr algn="l" defTabSz="914400" rtl="0" eaLnBrk="1" latinLnBrk="0" hangingPunct="1">
+                <a:lnSpc>
+                  <a:spcPct val="90000"/>
+                </a:lnSpc>
+                <a:spcBef>
+                  <a:spcPct val="0"/>
+                </a:spcBef>
+                <a:buNone/>
+                <a:defRPr kumimoji="1" sz="5100" kern="1200" cap="all" spc="200" baseline="0">
+                  <a:solidFill>
+                    <a:schemeClr val="tx2"/>
+                  </a:solidFill>
+                  <a:latin typeface="+mj-lt"/>
+                  <a:ea typeface="+mj-ea"/>
+                  <a:cs typeface="+mj-cs"/>
+                </a:defRPr>
+              </a:lvl1pPr>
+            </a:lstStyle>
+            <a:p>
+              <a:r>
+                <a:rPr lang="ja-JP" altLang="en-US" sz="2800" cap="none" dirty="0">
+                  <a:solidFill>
+                    <a:schemeClr val="bg1"/>
+                  </a:solidFill>
+                </a:rPr>
+                <a:t>・ローカルリポジトリを作成する</a:t>
+              </a:r>
+              <a:endParaRPr lang="ja-JP" altLang="en-US" sz="2800" dirty="0">
+                <a:solidFill>
+                  <a:schemeClr val="bg1"/>
+                </a:solidFill>
+              </a:endParaRPr>
+            </a:p>
+          </p:txBody>
+        </p:sp>
       </p:grpSp>
+      <p:sp>
+        <p:nvSpPr>
+          <p:cNvPr id="6" name="コンテンツ プレースホルダー 5">
+            <a:extLst>
+              <a:ext uri="{FF2B5EF4-FFF2-40B4-BE49-F238E27FC236}">
+                <a16:creationId xmlns:a16="http://schemas.microsoft.com/office/drawing/2014/main" id="{06768868-510E-70E1-C729-C10F6C19B245}"/>
+              </a:ext>
+            </a:extLst>
+          </p:cNvPr>
+          <p:cNvSpPr>
+            <a:spLocks noGrp="1"/>
+          </p:cNvSpPr>
+          <p:nvPr>
+            <p:ph idx="1"/>
+          </p:nvPr>
+        </p:nvSpPr>
+        <p:spPr>
+          <a:xfrm>
+            <a:off x="903144" y="665884"/>
+            <a:ext cx="10952418" cy="944189"/>
+          </a:xfrm>
+        </p:spPr>
+        <p:txBody>
+          <a:bodyPr>
+            <a:normAutofit/>
+          </a:bodyPr>
+          <a:lstStyle/>
+          <a:p>
+            <a:pPr marL="0" indent="0">
+              <a:buNone/>
+            </a:pPr>
+            <a:r>
+              <a:rPr lang="ja-JP" altLang="en-US" sz="2400" dirty="0"/>
+              <a:t>・これでフォーカスできましたが、そもそもフォーカスって何？</a:t>
+            </a:r>
+            <a:endParaRPr lang="en-US" altLang="ja-JP" sz="2400" dirty="0"/>
+          </a:p>
+        </p:txBody>
+      </p:sp>
       <p:sp>
         <p:nvSpPr>
           <p:cNvPr id="42" name="矢印: 右 41">
@@ -15871,9 +16312,9 @@
           <p:nvPr/>
         </p:nvSpPr>
         <p:spPr>
-          <a:xfrm rot="19386440">
-            <a:off x="4439227" y="2608346"/>
-            <a:ext cx="1335670" cy="1020253"/>
+          <a:xfrm rot="21178631">
+            <a:off x="3695769" y="2114365"/>
+            <a:ext cx="3768300" cy="1020253"/>
           </a:xfrm>
           <a:prstGeom prst="rightArrow">
             <a:avLst/>
@@ -15917,9 +16358,9 @@
           <p:nvPr/>
         </p:nvSpPr>
         <p:spPr>
-          <a:xfrm rot="2082278">
-            <a:off x="4576769" y="4231513"/>
-            <a:ext cx="1335670" cy="1020253"/>
+          <a:xfrm rot="905486">
+            <a:off x="3360071" y="4007037"/>
+            <a:ext cx="1630351" cy="1020253"/>
           </a:xfrm>
           <a:prstGeom prst="rightArrow">
             <a:avLst/>
@@ -15946,7 +16387,7 @@
           <a:lstStyle/>
           <a:p>
             <a:pPr algn="ctr"/>
-            <a:endParaRPr kumimoji="1" lang="ja-JP" altLang="en-US"/>
+            <a:endParaRPr kumimoji="1" lang="ja-JP" altLang="en-US" dirty="0"/>
           </a:p>
         </p:txBody>
       </p:sp>
@@ -15964,7 +16405,7 @@
         </p:nvGrpSpPr>
         <p:grpSpPr>
           <a:xfrm>
-            <a:off x="1655563" y="3181368"/>
+            <a:off x="903144" y="2597458"/>
             <a:ext cx="2319443" cy="1856449"/>
             <a:chOff x="845788" y="3112387"/>
             <a:chExt cx="2319443" cy="1856449"/>
@@ -16272,7 +16713,7 @@
         </p:nvSpPr>
         <p:spPr>
           <a:xfrm>
-            <a:off x="2367342" y="1696840"/>
+            <a:off x="2315887" y="1616445"/>
             <a:ext cx="2152375" cy="1067146"/>
           </a:xfrm>
           <a:prstGeom prst="cloudCallout">
@@ -16324,11 +16765,14 @@
         </p:nvSpPr>
         <p:spPr>
           <a:xfrm>
-            <a:off x="7376160" y="904106"/>
-            <a:ext cx="2152375" cy="1067146"/>
+            <a:off x="8711629" y="987483"/>
+            <a:ext cx="3430974" cy="1333392"/>
           </a:xfrm>
           <a:prstGeom prst="cloudCallout">
-            <a:avLst/>
+            <a:avLst>
+              <a:gd name="adj1" fmla="val -31855"/>
+              <a:gd name="adj2" fmla="val 62500"/>
+            </a:avLst>
           </a:prstGeom>
         </p:spPr>
         <p:style>
@@ -16360,9 +16804,12 @@
             </a:r>
             <a:r>
               <a:rPr kumimoji="1" lang="en-US" altLang="ja-JP" dirty="0"/>
-              <a:t>/file1</a:t>
-            </a:r>
-            <a:endParaRPr kumimoji="1" lang="ja-JP" altLang="en-US" dirty="0"/>
+              <a:t>/Folder</a:t>
+            </a:r>
+            <a:r>
+              <a:rPr kumimoji="1" lang="ja-JP" altLang="en-US" dirty="0"/>
+              <a:t>１</a:t>
+            </a:r>
           </a:p>
         </p:txBody>
       </p:sp>
@@ -16380,11 +16827,14 @@
         </p:nvSpPr>
         <p:spPr>
           <a:xfrm>
-            <a:off x="7351462" y="3257505"/>
-            <a:ext cx="2152375" cy="1067146"/>
+            <a:off x="8093919" y="3567014"/>
+            <a:ext cx="4384123" cy="1221181"/>
           </a:xfrm>
           <a:prstGeom prst="cloudCallout">
-            <a:avLst/>
+            <a:avLst>
+              <a:gd name="adj1" fmla="val -7186"/>
+              <a:gd name="adj2" fmla="val 82084"/>
+            </a:avLst>
           </a:prstGeom>
         </p:spPr>
         <p:style>
@@ -16416,8 +16866,215 @@
             </a:r>
             <a:r>
               <a:rPr kumimoji="1" lang="en-US" altLang="ja-JP" dirty="0"/>
-              <a:t>/file2</a:t>
-            </a:r>
+              <a:t>/Folder2/Folder3</a:t>
+            </a:r>
+            <a:endParaRPr kumimoji="1" lang="ja-JP" altLang="en-US" dirty="0"/>
+          </a:p>
+        </p:txBody>
+      </p:sp>
+      <p:grpSp>
+        <p:nvGrpSpPr>
+          <p:cNvPr id="14" name="グループ化 13">
+            <a:extLst>
+              <a:ext uri="{FF2B5EF4-FFF2-40B4-BE49-F238E27FC236}">
+                <a16:creationId xmlns:a16="http://schemas.microsoft.com/office/drawing/2014/main" id="{78FC8152-A754-7222-C2FE-AF24E93B72FC}"/>
+              </a:ext>
+            </a:extLst>
+          </p:cNvPr>
+          <p:cNvGrpSpPr/>
+          <p:nvPr/>
+        </p:nvGrpSpPr>
+        <p:grpSpPr>
+          <a:xfrm>
+            <a:off x="5123796" y="4320131"/>
+            <a:ext cx="1729571" cy="1304463"/>
+            <a:chOff x="5050302" y="4887653"/>
+            <a:chExt cx="1729571" cy="1304463"/>
+          </a:xfrm>
+        </p:grpSpPr>
+        <p:sp>
+          <p:nvSpPr>
+            <p:cNvPr id="12" name="矢印: 五方向 11">
+              <a:extLst>
+                <a:ext uri="{FF2B5EF4-FFF2-40B4-BE49-F238E27FC236}">
+                  <a16:creationId xmlns:a16="http://schemas.microsoft.com/office/drawing/2014/main" id="{C410260D-FF53-5A89-C997-0FA16588284F}"/>
+                </a:ext>
+              </a:extLst>
+            </p:cNvPr>
+            <p:cNvSpPr/>
+            <p:nvPr/>
+          </p:nvSpPr>
+          <p:spPr>
+            <a:xfrm>
+              <a:off x="5071027" y="4887653"/>
+              <a:ext cx="921810" cy="550112"/>
+            </a:xfrm>
+            <a:prstGeom prst="homePlate">
+              <a:avLst/>
+            </a:prstGeom>
+          </p:spPr>
+          <p:style>
+            <a:lnRef idx="2">
+              <a:schemeClr val="accent1">
+                <a:shade val="50000"/>
+              </a:schemeClr>
+            </a:lnRef>
+            <a:fillRef idx="1">
+              <a:schemeClr val="accent1"/>
+            </a:fillRef>
+            <a:effectRef idx="0">
+              <a:schemeClr val="accent1"/>
+            </a:effectRef>
+            <a:fontRef idx="minor">
+              <a:schemeClr val="lt1"/>
+            </a:fontRef>
+          </p:style>
+          <p:txBody>
+            <a:bodyPr rtlCol="0" anchor="ctr"/>
+            <a:lstStyle/>
+            <a:p>
+              <a:pPr algn="ctr"/>
+              <a:endParaRPr kumimoji="1" lang="ja-JP" altLang="en-US"/>
+            </a:p>
+          </p:txBody>
+        </p:sp>
+        <p:sp>
+          <p:nvSpPr>
+            <p:cNvPr id="13" name="四角形: メモ 12">
+              <a:extLst>
+                <a:ext uri="{FF2B5EF4-FFF2-40B4-BE49-F238E27FC236}">
+                  <a16:creationId xmlns:a16="http://schemas.microsoft.com/office/drawing/2014/main" id="{7BA7CFFC-D19F-2294-7647-0B4A2221401A}"/>
+                </a:ext>
+              </a:extLst>
+            </p:cNvPr>
+            <p:cNvSpPr/>
+            <p:nvPr/>
+          </p:nvSpPr>
+          <p:spPr>
+            <a:xfrm>
+              <a:off x="5071027" y="5002023"/>
+              <a:ext cx="1708846" cy="881305"/>
+            </a:xfrm>
+            <a:prstGeom prst="foldedCorner">
+              <a:avLst/>
+            </a:prstGeom>
+          </p:spPr>
+          <p:style>
+            <a:lnRef idx="2">
+              <a:schemeClr val="accent6"/>
+            </a:lnRef>
+            <a:fillRef idx="1">
+              <a:schemeClr val="lt1"/>
+            </a:fillRef>
+            <a:effectRef idx="0">
+              <a:schemeClr val="accent6"/>
+            </a:effectRef>
+            <a:fontRef idx="minor">
+              <a:schemeClr val="dk1"/>
+            </a:fontRef>
+          </p:style>
+          <p:txBody>
+            <a:bodyPr rtlCol="0" anchor="ctr"/>
+            <a:lstStyle/>
+            <a:p>
+              <a:pPr algn="ctr"/>
+              <a:endParaRPr kumimoji="1" lang="ja-JP" altLang="en-US"/>
+            </a:p>
+          </p:txBody>
+        </p:sp>
+        <p:sp>
+          <p:nvSpPr>
+            <p:cNvPr id="11" name="正方形/長方形 10">
+              <a:extLst>
+                <a:ext uri="{FF2B5EF4-FFF2-40B4-BE49-F238E27FC236}">
+                  <a16:creationId xmlns:a16="http://schemas.microsoft.com/office/drawing/2014/main" id="{5B1604D6-2518-FED3-50C0-8D11C3029820}"/>
+                </a:ext>
+              </a:extLst>
+            </p:cNvPr>
+            <p:cNvSpPr/>
+            <p:nvPr/>
+          </p:nvSpPr>
+          <p:spPr>
+            <a:xfrm>
+              <a:off x="5050302" y="5106572"/>
+              <a:ext cx="1729571" cy="1085544"/>
+            </a:xfrm>
+            <a:prstGeom prst="rect">
+              <a:avLst/>
+            </a:prstGeom>
+          </p:spPr>
+          <p:style>
+            <a:lnRef idx="2">
+              <a:schemeClr val="accent1">
+                <a:shade val="50000"/>
+              </a:schemeClr>
+            </a:lnRef>
+            <a:fillRef idx="1">
+              <a:schemeClr val="accent1"/>
+            </a:fillRef>
+            <a:effectRef idx="0">
+              <a:schemeClr val="accent1"/>
+            </a:effectRef>
+            <a:fontRef idx="minor">
+              <a:schemeClr val="lt1"/>
+            </a:fontRef>
+          </p:style>
+          <p:txBody>
+            <a:bodyPr rtlCol="0" anchor="ctr"/>
+            <a:lstStyle/>
+            <a:p>
+              <a:pPr algn="ctr"/>
+              <a:r>
+                <a:rPr kumimoji="1" lang="en-US" altLang="ja-JP" dirty="0"/>
+                <a:t>Folder2</a:t>
+              </a:r>
+              <a:endParaRPr kumimoji="1" lang="ja-JP" altLang="en-US" dirty="0"/>
+            </a:p>
+          </p:txBody>
+        </p:sp>
+      </p:grpSp>
+      <p:sp>
+        <p:nvSpPr>
+          <p:cNvPr id="15" name="矢印: 右 14">
+            <a:extLst>
+              <a:ext uri="{FF2B5EF4-FFF2-40B4-BE49-F238E27FC236}">
+                <a16:creationId xmlns:a16="http://schemas.microsoft.com/office/drawing/2014/main" id="{4753CCE8-B16F-4D85-B880-BCDBA11B6C54}"/>
+              </a:ext>
+            </a:extLst>
+          </p:cNvPr>
+          <p:cNvSpPr/>
+          <p:nvPr/>
+        </p:nvSpPr>
+        <p:spPr>
+          <a:xfrm rot="751529">
+            <a:off x="7117815" y="4889528"/>
+            <a:ext cx="1630351" cy="1020253"/>
+          </a:xfrm>
+          <a:prstGeom prst="rightArrow">
+            <a:avLst/>
+          </a:prstGeom>
+        </p:spPr>
+        <p:style>
+          <a:lnRef idx="2">
+            <a:schemeClr val="accent5">
+              <a:shade val="50000"/>
+            </a:schemeClr>
+          </a:lnRef>
+          <a:fillRef idx="1">
+            <a:schemeClr val="accent5"/>
+          </a:fillRef>
+          <a:effectRef idx="0">
+            <a:schemeClr val="accent5"/>
+          </a:effectRef>
+          <a:fontRef idx="minor">
+            <a:schemeClr val="lt1"/>
+          </a:fontRef>
+        </p:style>
+        <p:txBody>
+          <a:bodyPr rtlCol="0" anchor="ctr"/>
+          <a:lstStyle/>
+          <a:p>
+            <a:pPr algn="ctr"/>
             <a:endParaRPr kumimoji="1" lang="ja-JP" altLang="en-US" dirty="0"/>
           </a:p>
         </p:txBody>
@@ -16432,10 +17089,515 @@
   <p:clrMapOvr>
     <a:masterClrMapping/>
   </p:clrMapOvr>
+  <p:timing>
+    <p:tnLst>
+      <p:par>
+        <p:cTn id="1" dur="indefinite" restart="never" nodeType="tmRoot">
+          <p:childTnLst>
+            <p:seq concurrent="1" nextAc="seek">
+              <p:cTn id="2" dur="indefinite" nodeType="mainSeq">
+                <p:childTnLst>
+                  <p:par>
+                    <p:cTn id="3" fill="hold">
+                      <p:stCondLst>
+                        <p:cond delay="indefinite"/>
+                      </p:stCondLst>
+                      <p:childTnLst>
+                        <p:par>
+                          <p:cTn id="4" fill="hold">
+                            <p:stCondLst>
+                              <p:cond delay="0"/>
+                            </p:stCondLst>
+                            <p:childTnLst>
+                              <p:par>
+                                <p:cTn id="5" presetID="10" presetClass="entr" presetSubtype="0" fill="hold" nodeType="clickEffect">
+                                  <p:stCondLst>
+                                    <p:cond delay="0"/>
+                                  </p:stCondLst>
+                                  <p:childTnLst>
+                                    <p:set>
+                                      <p:cBhvr>
+                                        <p:cTn id="6" dur="1" fill="hold">
+                                          <p:stCondLst>
+                                            <p:cond delay="0"/>
+                                          </p:stCondLst>
+                                        </p:cTn>
+                                        <p:tgtEl>
+                                          <p:spTgt spid="44"/>
+                                        </p:tgtEl>
+                                        <p:attrNameLst>
+                                          <p:attrName>style.visibility</p:attrName>
+                                        </p:attrNameLst>
+                                      </p:cBhvr>
+                                      <p:to>
+                                        <p:strVal val="visible"/>
+                                      </p:to>
+                                    </p:set>
+                                    <p:animEffect transition="in" filter="fade">
+                                      <p:cBhvr>
+                                        <p:cTn id="7" dur="500"/>
+                                        <p:tgtEl>
+                                          <p:spTgt spid="44"/>
+                                        </p:tgtEl>
+                                      </p:cBhvr>
+                                    </p:animEffect>
+                                  </p:childTnLst>
+                                </p:cTn>
+                              </p:par>
+                            </p:childTnLst>
+                          </p:cTn>
+                        </p:par>
+                        <p:par>
+                          <p:cTn id="8" fill="hold">
+                            <p:stCondLst>
+                              <p:cond delay="500"/>
+                            </p:stCondLst>
+                            <p:childTnLst>
+                              <p:par>
+                                <p:cTn id="9" presetID="10" presetClass="entr" presetSubtype="0" fill="hold" grpId="0" nodeType="afterEffect">
+                                  <p:stCondLst>
+                                    <p:cond delay="0"/>
+                                  </p:stCondLst>
+                                  <p:childTnLst>
+                                    <p:set>
+                                      <p:cBhvr>
+                                        <p:cTn id="10" dur="1" fill="hold">
+                                          <p:stCondLst>
+                                            <p:cond delay="0"/>
+                                          </p:stCondLst>
+                                        </p:cTn>
+                                        <p:tgtEl>
+                                          <p:spTgt spid="49"/>
+                                        </p:tgtEl>
+                                        <p:attrNameLst>
+                                          <p:attrName>style.visibility</p:attrName>
+                                        </p:attrNameLst>
+                                      </p:cBhvr>
+                                      <p:to>
+                                        <p:strVal val="visible"/>
+                                      </p:to>
+                                    </p:set>
+                                    <p:animEffect transition="in" filter="fade">
+                                      <p:cBhvr>
+                                        <p:cTn id="11" dur="500"/>
+                                        <p:tgtEl>
+                                          <p:spTgt spid="49"/>
+                                        </p:tgtEl>
+                                      </p:cBhvr>
+                                    </p:animEffect>
+                                  </p:childTnLst>
+                                </p:cTn>
+                              </p:par>
+                            </p:childTnLst>
+                          </p:cTn>
+                        </p:par>
+                      </p:childTnLst>
+                    </p:cTn>
+                  </p:par>
+                  <p:par>
+                    <p:cTn id="12" fill="hold">
+                      <p:stCondLst>
+                        <p:cond delay="indefinite"/>
+                      </p:stCondLst>
+                      <p:childTnLst>
+                        <p:par>
+                          <p:cTn id="13" fill="hold">
+                            <p:stCondLst>
+                              <p:cond delay="0"/>
+                            </p:stCondLst>
+                            <p:childTnLst>
+                              <p:par>
+                                <p:cTn id="14" presetID="10" presetClass="entr" presetSubtype="0" fill="hold" grpId="0" nodeType="clickEffect">
+                                  <p:stCondLst>
+                                    <p:cond delay="0"/>
+                                  </p:stCondLst>
+                                  <p:childTnLst>
+                                    <p:set>
+                                      <p:cBhvr>
+                                        <p:cTn id="15" dur="1" fill="hold">
+                                          <p:stCondLst>
+                                            <p:cond delay="0"/>
+                                          </p:stCondLst>
+                                        </p:cTn>
+                                        <p:tgtEl>
+                                          <p:spTgt spid="42"/>
+                                        </p:tgtEl>
+                                        <p:attrNameLst>
+                                          <p:attrName>style.visibility</p:attrName>
+                                        </p:attrNameLst>
+                                      </p:cBhvr>
+                                      <p:to>
+                                        <p:strVal val="visible"/>
+                                      </p:to>
+                                    </p:set>
+                                    <p:animEffect transition="in" filter="fade">
+                                      <p:cBhvr>
+                                        <p:cTn id="16" dur="500"/>
+                                        <p:tgtEl>
+                                          <p:spTgt spid="42"/>
+                                        </p:tgtEl>
+                                      </p:cBhvr>
+                                    </p:animEffect>
+                                  </p:childTnLst>
+                                </p:cTn>
+                              </p:par>
+                            </p:childTnLst>
+                          </p:cTn>
+                        </p:par>
+                        <p:par>
+                          <p:cTn id="17" fill="hold">
+                            <p:stCondLst>
+                              <p:cond delay="500"/>
+                            </p:stCondLst>
+                            <p:childTnLst>
+                              <p:par>
+                                <p:cTn id="18" presetID="10" presetClass="entr" presetSubtype="0" fill="hold" nodeType="afterEffect">
+                                  <p:stCondLst>
+                                    <p:cond delay="0"/>
+                                  </p:stCondLst>
+                                  <p:childTnLst>
+                                    <p:set>
+                                      <p:cBhvr>
+                                        <p:cTn id="19" dur="1" fill="hold">
+                                          <p:stCondLst>
+                                            <p:cond delay="0"/>
+                                          </p:stCondLst>
+                                        </p:cTn>
+                                        <p:tgtEl>
+                                          <p:spTgt spid="18"/>
+                                        </p:tgtEl>
+                                        <p:attrNameLst>
+                                          <p:attrName>style.visibility</p:attrName>
+                                        </p:attrNameLst>
+                                      </p:cBhvr>
+                                      <p:to>
+                                        <p:strVal val="visible"/>
+                                      </p:to>
+                                    </p:set>
+                                    <p:animEffect transition="in" filter="fade">
+                                      <p:cBhvr>
+                                        <p:cTn id="20" dur="500"/>
+                                        <p:tgtEl>
+                                          <p:spTgt spid="18"/>
+                                        </p:tgtEl>
+                                      </p:cBhvr>
+                                    </p:animEffect>
+                                  </p:childTnLst>
+                                </p:cTn>
+                              </p:par>
+                            </p:childTnLst>
+                          </p:cTn>
+                        </p:par>
+                        <p:par>
+                          <p:cTn id="21" fill="hold">
+                            <p:stCondLst>
+                              <p:cond delay="1000"/>
+                            </p:stCondLst>
+                            <p:childTnLst>
+                              <p:par>
+                                <p:cTn id="22" presetID="10" presetClass="entr" presetSubtype="0" fill="hold" grpId="0" nodeType="afterEffect">
+                                  <p:stCondLst>
+                                    <p:cond delay="0"/>
+                                  </p:stCondLst>
+                                  <p:childTnLst>
+                                    <p:set>
+                                      <p:cBhvr>
+                                        <p:cTn id="23" dur="1" fill="hold">
+                                          <p:stCondLst>
+                                            <p:cond delay="0"/>
+                                          </p:stCondLst>
+                                        </p:cTn>
+                                        <p:tgtEl>
+                                          <p:spTgt spid="50"/>
+                                        </p:tgtEl>
+                                        <p:attrNameLst>
+                                          <p:attrName>style.visibility</p:attrName>
+                                        </p:attrNameLst>
+                                      </p:cBhvr>
+                                      <p:to>
+                                        <p:strVal val="visible"/>
+                                      </p:to>
+                                    </p:set>
+                                    <p:animEffect transition="in" filter="fade">
+                                      <p:cBhvr>
+                                        <p:cTn id="24" dur="500"/>
+                                        <p:tgtEl>
+                                          <p:spTgt spid="50"/>
+                                        </p:tgtEl>
+                                      </p:cBhvr>
+                                    </p:animEffect>
+                                  </p:childTnLst>
+                                </p:cTn>
+                              </p:par>
+                            </p:childTnLst>
+                          </p:cTn>
+                        </p:par>
+                      </p:childTnLst>
+                    </p:cTn>
+                  </p:par>
+                  <p:par>
+                    <p:cTn id="25" fill="hold">
+                      <p:stCondLst>
+                        <p:cond delay="indefinite"/>
+                      </p:stCondLst>
+                      <p:childTnLst>
+                        <p:par>
+                          <p:cTn id="26" fill="hold">
+                            <p:stCondLst>
+                              <p:cond delay="0"/>
+                            </p:stCondLst>
+                            <p:childTnLst>
+                              <p:par>
+                                <p:cTn id="27" presetID="10" presetClass="entr" presetSubtype="0" fill="hold" grpId="0" nodeType="clickEffect">
+                                  <p:stCondLst>
+                                    <p:cond delay="0"/>
+                                  </p:stCondLst>
+                                  <p:childTnLst>
+                                    <p:set>
+                                      <p:cBhvr>
+                                        <p:cTn id="28" dur="1" fill="hold">
+                                          <p:stCondLst>
+                                            <p:cond delay="0"/>
+                                          </p:stCondLst>
+                                        </p:cTn>
+                                        <p:tgtEl>
+                                          <p:spTgt spid="43"/>
+                                        </p:tgtEl>
+                                        <p:attrNameLst>
+                                          <p:attrName>style.visibility</p:attrName>
+                                        </p:attrNameLst>
+                                      </p:cBhvr>
+                                      <p:to>
+                                        <p:strVal val="visible"/>
+                                      </p:to>
+                                    </p:set>
+                                    <p:animEffect transition="in" filter="fade">
+                                      <p:cBhvr>
+                                        <p:cTn id="29" dur="500"/>
+                                        <p:tgtEl>
+                                          <p:spTgt spid="43"/>
+                                        </p:tgtEl>
+                                      </p:cBhvr>
+                                    </p:animEffect>
+                                  </p:childTnLst>
+                                </p:cTn>
+                              </p:par>
+                            </p:childTnLst>
+                          </p:cTn>
+                        </p:par>
+                        <p:par>
+                          <p:cTn id="30" fill="hold">
+                            <p:stCondLst>
+                              <p:cond delay="500"/>
+                            </p:stCondLst>
+                            <p:childTnLst>
+                              <p:par>
+                                <p:cTn id="31" presetID="10" presetClass="entr" presetSubtype="0" fill="hold" nodeType="afterEffect">
+                                  <p:stCondLst>
+                                    <p:cond delay="0"/>
+                                  </p:stCondLst>
+                                  <p:childTnLst>
+                                    <p:set>
+                                      <p:cBhvr>
+                                        <p:cTn id="32" dur="1" fill="hold">
+                                          <p:stCondLst>
+                                            <p:cond delay="0"/>
+                                          </p:stCondLst>
+                                        </p:cTn>
+                                        <p:tgtEl>
+                                          <p:spTgt spid="14"/>
+                                        </p:tgtEl>
+                                        <p:attrNameLst>
+                                          <p:attrName>style.visibility</p:attrName>
+                                        </p:attrNameLst>
+                                      </p:cBhvr>
+                                      <p:to>
+                                        <p:strVal val="visible"/>
+                                      </p:to>
+                                    </p:set>
+                                    <p:animEffect transition="in" filter="fade">
+                                      <p:cBhvr>
+                                        <p:cTn id="33" dur="500"/>
+                                        <p:tgtEl>
+                                          <p:spTgt spid="14"/>
+                                        </p:tgtEl>
+                                      </p:cBhvr>
+                                    </p:animEffect>
+                                  </p:childTnLst>
+                                </p:cTn>
+                              </p:par>
+                            </p:childTnLst>
+                          </p:cTn>
+                        </p:par>
+                        <p:par>
+                          <p:cTn id="34" fill="hold">
+                            <p:stCondLst>
+                              <p:cond delay="1000"/>
+                            </p:stCondLst>
+                            <p:childTnLst>
+                              <p:par>
+                                <p:cTn id="35" presetID="10" presetClass="entr" presetSubtype="0" fill="hold" grpId="0" nodeType="afterEffect">
+                                  <p:stCondLst>
+                                    <p:cond delay="0"/>
+                                  </p:stCondLst>
+                                  <p:childTnLst>
+                                    <p:set>
+                                      <p:cBhvr>
+                                        <p:cTn id="36" dur="1" fill="hold">
+                                          <p:stCondLst>
+                                            <p:cond delay="0"/>
+                                          </p:stCondLst>
+                                        </p:cTn>
+                                        <p:tgtEl>
+                                          <p:spTgt spid="15"/>
+                                        </p:tgtEl>
+                                        <p:attrNameLst>
+                                          <p:attrName>style.visibility</p:attrName>
+                                        </p:attrNameLst>
+                                      </p:cBhvr>
+                                      <p:to>
+                                        <p:strVal val="visible"/>
+                                      </p:to>
+                                    </p:set>
+                                    <p:animEffect transition="in" filter="fade">
+                                      <p:cBhvr>
+                                        <p:cTn id="37" dur="500"/>
+                                        <p:tgtEl>
+                                          <p:spTgt spid="15"/>
+                                        </p:tgtEl>
+                                      </p:cBhvr>
+                                    </p:animEffect>
+                                  </p:childTnLst>
+                                </p:cTn>
+                              </p:par>
+                            </p:childTnLst>
+                          </p:cTn>
+                        </p:par>
+                        <p:par>
+                          <p:cTn id="38" fill="hold">
+                            <p:stCondLst>
+                              <p:cond delay="1500"/>
+                            </p:stCondLst>
+                            <p:childTnLst>
+                              <p:par>
+                                <p:cTn id="39" presetID="10" presetClass="entr" presetSubtype="0" fill="hold" nodeType="afterEffect">
+                                  <p:stCondLst>
+                                    <p:cond delay="0"/>
+                                  </p:stCondLst>
+                                  <p:childTnLst>
+                                    <p:set>
+                                      <p:cBhvr>
+                                        <p:cTn id="40" dur="1" fill="hold">
+                                          <p:stCondLst>
+                                            <p:cond delay="0"/>
+                                          </p:stCondLst>
+                                        </p:cTn>
+                                        <p:tgtEl>
+                                          <p:spTgt spid="22"/>
+                                        </p:tgtEl>
+                                        <p:attrNameLst>
+                                          <p:attrName>style.visibility</p:attrName>
+                                        </p:attrNameLst>
+                                      </p:cBhvr>
+                                      <p:to>
+                                        <p:strVal val="visible"/>
+                                      </p:to>
+                                    </p:set>
+                                    <p:animEffect transition="in" filter="fade">
+                                      <p:cBhvr>
+                                        <p:cTn id="41" dur="500"/>
+                                        <p:tgtEl>
+                                          <p:spTgt spid="22"/>
+                                        </p:tgtEl>
+                                      </p:cBhvr>
+                                    </p:animEffect>
+                                  </p:childTnLst>
+                                </p:cTn>
+                              </p:par>
+                            </p:childTnLst>
+                          </p:cTn>
+                        </p:par>
+                        <p:par>
+                          <p:cTn id="42" fill="hold">
+                            <p:stCondLst>
+                              <p:cond delay="2000"/>
+                            </p:stCondLst>
+                            <p:childTnLst>
+                              <p:par>
+                                <p:cTn id="43" presetID="10" presetClass="entr" presetSubtype="0" fill="hold" grpId="0" nodeType="afterEffect">
+                                  <p:stCondLst>
+                                    <p:cond delay="0"/>
+                                  </p:stCondLst>
+                                  <p:childTnLst>
+                                    <p:set>
+                                      <p:cBhvr>
+                                        <p:cTn id="44" dur="1" fill="hold">
+                                          <p:stCondLst>
+                                            <p:cond delay="0"/>
+                                          </p:stCondLst>
+                                        </p:cTn>
+                                        <p:tgtEl>
+                                          <p:spTgt spid="51"/>
+                                        </p:tgtEl>
+                                        <p:attrNameLst>
+                                          <p:attrName>style.visibility</p:attrName>
+                                        </p:attrNameLst>
+                                      </p:cBhvr>
+                                      <p:to>
+                                        <p:strVal val="visible"/>
+                                      </p:to>
+                                    </p:set>
+                                    <p:animEffect transition="in" filter="fade">
+                                      <p:cBhvr>
+                                        <p:cTn id="45" dur="500"/>
+                                        <p:tgtEl>
+                                          <p:spTgt spid="51"/>
+                                        </p:tgtEl>
+                                      </p:cBhvr>
+                                    </p:animEffect>
+                                  </p:childTnLst>
+                                </p:cTn>
+                              </p:par>
+                            </p:childTnLst>
+                          </p:cTn>
+                        </p:par>
+                      </p:childTnLst>
+                    </p:cTn>
+                  </p:par>
+                </p:childTnLst>
+              </p:cTn>
+              <p:prevCondLst>
+                <p:cond evt="onPrev" delay="0">
+                  <p:tgtEl>
+                    <p:sldTgt/>
+                  </p:tgtEl>
+                </p:cond>
+              </p:prevCondLst>
+              <p:nextCondLst>
+                <p:cond evt="onNext" delay="0">
+                  <p:tgtEl>
+                    <p:sldTgt/>
+                  </p:tgtEl>
+                </p:cond>
+              </p:nextCondLst>
+            </p:seq>
+          </p:childTnLst>
+        </p:cTn>
+      </p:par>
+    </p:tnLst>
+    <p:bldLst>
+      <p:bldP spid="42" grpId="0" animBg="1"/>
+      <p:bldP spid="43" grpId="0" animBg="1"/>
+      <p:bldP spid="49" grpId="0" animBg="1"/>
+      <p:bldP spid="50" grpId="0" animBg="1"/>
+      <p:bldP spid="51" grpId="0" animBg="1"/>
+      <p:bldP spid="15" grpId="0" animBg="1"/>
+    </p:bldLst>
+  </p:timing>
 </p:sld>
 </file>
 
-<file path=ppt/slides/slide18.xml><?xml version="1.0" encoding="utf-8"?>
+<file path=ppt/slides/slide19.xml><?xml version="1.0" encoding="utf-8"?>
 <p:sld xmlns:a="http://schemas.openxmlformats.org/drawingml/2006/main" xmlns:r="http://schemas.openxmlformats.org/officeDocument/2006/relationships" xmlns:p="http://schemas.openxmlformats.org/presentationml/2006/main">
   <p:cSld>
     <p:spTree>
